--- a/Reports/LCMsequence/models/formulas/GeneralForumula.pptx
+++ b/Reports/LCMsequence/models/formulas/GeneralForumula.pptx
@@ -8,6 +8,7 @@
     <p:sldId id="256" r:id="rId2"/>
     <p:sldId id="257" r:id="rId3"/>
     <p:sldId id="258" r:id="rId4"/>
+    <p:sldId id="259" r:id="rId5"/>
   </p:sldIdLst>
   <p:sldSz cx="12204700" cy="6877050"/>
   <p:notesSz cx="6858000" cy="9144000"/>
@@ -290,7 +291,7 @@
           <a:p>
             <a:fld id="{EA1B5ED0-9FCD-43EA-B7E6-5714DB80E54F}" type="datetimeFigureOut">
               <a:rPr lang="en-CA" smtClean="0"/>
-              <a:t>28/11/2014</a:t>
+              <a:t>02/12/2014</a:t>
             </a:fld>
             <a:endParaRPr lang="en-CA"/>
           </a:p>
@@ -460,7 +461,7 @@
           <a:p>
             <a:fld id="{EA1B5ED0-9FCD-43EA-B7E6-5714DB80E54F}" type="datetimeFigureOut">
               <a:rPr lang="en-CA" smtClean="0"/>
-              <a:t>28/11/2014</a:t>
+              <a:t>02/12/2014</a:t>
             </a:fld>
             <a:endParaRPr lang="en-CA"/>
           </a:p>
@@ -640,7 +641,7 @@
           <a:p>
             <a:fld id="{EA1B5ED0-9FCD-43EA-B7E6-5714DB80E54F}" type="datetimeFigureOut">
               <a:rPr lang="en-CA" smtClean="0"/>
-              <a:t>28/11/2014</a:t>
+              <a:t>02/12/2014</a:t>
             </a:fld>
             <a:endParaRPr lang="en-CA"/>
           </a:p>
@@ -810,7 +811,7 @@
           <a:p>
             <a:fld id="{EA1B5ED0-9FCD-43EA-B7E6-5714DB80E54F}" type="datetimeFigureOut">
               <a:rPr lang="en-CA" smtClean="0"/>
-              <a:t>28/11/2014</a:t>
+              <a:t>02/12/2014</a:t>
             </a:fld>
             <a:endParaRPr lang="en-CA"/>
           </a:p>
@@ -1056,7 +1057,7 @@
           <a:p>
             <a:fld id="{EA1B5ED0-9FCD-43EA-B7E6-5714DB80E54F}" type="datetimeFigureOut">
               <a:rPr lang="en-CA" smtClean="0"/>
-              <a:t>28/11/2014</a:t>
+              <a:t>02/12/2014</a:t>
             </a:fld>
             <a:endParaRPr lang="en-CA"/>
           </a:p>
@@ -1344,7 +1345,7 @@
           <a:p>
             <a:fld id="{EA1B5ED0-9FCD-43EA-B7E6-5714DB80E54F}" type="datetimeFigureOut">
               <a:rPr lang="en-CA" smtClean="0"/>
-              <a:t>28/11/2014</a:t>
+              <a:t>02/12/2014</a:t>
             </a:fld>
             <a:endParaRPr lang="en-CA"/>
           </a:p>
@@ -1771,7 +1772,7 @@
           <a:p>
             <a:fld id="{EA1B5ED0-9FCD-43EA-B7E6-5714DB80E54F}" type="datetimeFigureOut">
               <a:rPr lang="en-CA" smtClean="0"/>
-              <a:t>28/11/2014</a:t>
+              <a:t>02/12/2014</a:t>
             </a:fld>
             <a:endParaRPr lang="en-CA"/>
           </a:p>
@@ -1889,7 +1890,7 @@
           <a:p>
             <a:fld id="{EA1B5ED0-9FCD-43EA-B7E6-5714DB80E54F}" type="datetimeFigureOut">
               <a:rPr lang="en-CA" smtClean="0"/>
-              <a:t>28/11/2014</a:t>
+              <a:t>02/12/2014</a:t>
             </a:fld>
             <a:endParaRPr lang="en-CA"/>
           </a:p>
@@ -1984,7 +1985,7 @@
           <a:p>
             <a:fld id="{EA1B5ED0-9FCD-43EA-B7E6-5714DB80E54F}" type="datetimeFigureOut">
               <a:rPr lang="en-CA" smtClean="0"/>
-              <a:t>28/11/2014</a:t>
+              <a:t>02/12/2014</a:t>
             </a:fld>
             <a:endParaRPr lang="en-CA"/>
           </a:p>
@@ -2261,7 +2262,7 @@
           <a:p>
             <a:fld id="{EA1B5ED0-9FCD-43EA-B7E6-5714DB80E54F}" type="datetimeFigureOut">
               <a:rPr lang="en-CA" smtClean="0"/>
-              <a:t>28/11/2014</a:t>
+              <a:t>02/12/2014</a:t>
             </a:fld>
             <a:endParaRPr lang="en-CA"/>
           </a:p>
@@ -2514,7 +2515,7 @@
           <a:p>
             <a:fld id="{EA1B5ED0-9FCD-43EA-B7E6-5714DB80E54F}" type="datetimeFigureOut">
               <a:rPr lang="en-CA" smtClean="0"/>
-              <a:t>28/11/2014</a:t>
+              <a:t>02/12/2014</a:t>
             </a:fld>
             <a:endParaRPr lang="en-CA"/>
           </a:p>
@@ -2727,7 +2728,7 @@
           <a:p>
             <a:fld id="{EA1B5ED0-9FCD-43EA-B7E6-5714DB80E54F}" type="datetimeFigureOut">
               <a:rPr lang="en-CA" smtClean="0"/>
-              <a:t>28/11/2014</a:t>
+              <a:t>02/12/2014</a:t>
             </a:fld>
             <a:endParaRPr lang="en-CA"/>
           </a:p>
@@ -3206,7 +3207,7 @@
             <a:graphicData uri="http://schemas.openxmlformats.org/presentationml/2006/ole">
               <mc:AlternateContent xmlns:mc="http://schemas.openxmlformats.org/markup-compatibility/2006">
                 <mc:Choice xmlns:v="urn:schemas-microsoft-com:vml" Requires="v">
-                  <p:oleObj spid="_x0000_s1047" name="Equation" r:id="rId3" imgW="1244520" imgH="482400" progId="Equation.DSMT4">
+                  <p:oleObj spid="_x0000_s1077" name="Equation" r:id="rId3" imgW="1244520" imgH="482400" progId="Equation.DSMT4">
                     <p:embed/>
                   </p:oleObj>
                 </mc:Choice>
@@ -3281,7 +3282,7 @@
               <a:graphicData uri="http://schemas.openxmlformats.org/presentationml/2006/ole">
                 <mc:AlternateContent xmlns:mc="http://schemas.openxmlformats.org/markup-compatibility/2006">
                   <mc:Choice xmlns:v="urn:schemas-microsoft-com:vml" Requires="v">
-                    <p:oleObj spid="_x0000_s1048" name="Equation" r:id="rId5" imgW="685800" imgH="939600" progId="Equation.DSMT4">
+                    <p:oleObj spid="_x0000_s1078" name="Equation" r:id="rId5" imgW="685800" imgH="939600" progId="Equation.DSMT4">
                       <p:embed/>
                     </p:oleObj>
                   </mc:Choice>
@@ -3342,7 +3343,7 @@
               <a:graphicData uri="http://schemas.openxmlformats.org/presentationml/2006/ole">
                 <mc:AlternateContent xmlns:mc="http://schemas.openxmlformats.org/markup-compatibility/2006">
                   <mc:Choice xmlns:v="urn:schemas-microsoft-com:vml" Requires="v">
-                    <p:oleObj spid="_x0000_s1049" name="Equation" r:id="rId7" imgW="660240" imgH="1117440" progId="Equation.DSMT4">
+                    <p:oleObj spid="_x0000_s1079" name="Equation" r:id="rId7" imgW="660240" imgH="1117440" progId="Equation.DSMT4">
                       <p:embed/>
                     </p:oleObj>
                   </mc:Choice>
@@ -3403,7 +3404,7 @@
               <a:graphicData uri="http://schemas.openxmlformats.org/presentationml/2006/ole">
                 <mc:AlternateContent xmlns:mc="http://schemas.openxmlformats.org/markup-compatibility/2006">
                   <mc:Choice xmlns:v="urn:schemas-microsoft-com:vml" Requires="v">
-                    <p:oleObj spid="_x0000_s1050" name="Equation" r:id="rId9" imgW="1930320" imgH="914400" progId="Equation.DSMT4">
+                    <p:oleObj spid="_x0000_s1080" name="Equation" r:id="rId9" imgW="1930320" imgH="914400" progId="Equation.DSMT4">
                       <p:embed/>
                     </p:oleObj>
                   </mc:Choice>
@@ -3464,7 +3465,7 @@
               <a:graphicData uri="http://schemas.openxmlformats.org/presentationml/2006/ole">
                 <mc:AlternateContent xmlns:mc="http://schemas.openxmlformats.org/markup-compatibility/2006">
                   <mc:Choice xmlns:v="urn:schemas-microsoft-com:vml" Requires="v">
-                    <p:oleObj spid="_x0000_s1051" name="Equation" r:id="rId11" imgW="660240" imgH="1117440" progId="Equation.DSMT4">
+                    <p:oleObj spid="_x0000_s1081" name="Equation" r:id="rId11" imgW="660240" imgH="1117440" progId="Equation.DSMT4">
                       <p:embed/>
                     </p:oleObj>
                   </mc:Choice>
@@ -3525,7 +3526,7 @@
               <a:graphicData uri="http://schemas.openxmlformats.org/presentationml/2006/ole">
                 <mc:AlternateContent xmlns:mc="http://schemas.openxmlformats.org/markup-compatibility/2006">
                   <mc:Choice xmlns:v="urn:schemas-microsoft-com:vml" Requires="v">
-                    <p:oleObj spid="_x0000_s1052" name="Equation" r:id="rId13" imgW="634680" imgH="939600" progId="Equation.DSMT4">
+                    <p:oleObj spid="_x0000_s1082" name="Equation" r:id="rId13" imgW="634680" imgH="939600" progId="Equation.DSMT4">
                       <p:embed/>
                     </p:oleObj>
                   </mc:Choice>
@@ -3586,7 +3587,7 @@
               <a:graphicData uri="http://schemas.openxmlformats.org/presentationml/2006/ole">
                 <mc:AlternateContent xmlns:mc="http://schemas.openxmlformats.org/markup-compatibility/2006">
                   <mc:Choice xmlns:v="urn:schemas-microsoft-com:vml" Requires="v">
-                    <p:oleObj spid="_x0000_s1053" name="Equation" r:id="rId15" imgW="660240" imgH="1117440" progId="Equation.DSMT4">
+                    <p:oleObj spid="_x0000_s1083" name="Equation" r:id="rId15" imgW="660240" imgH="1117440" progId="Equation.DSMT4">
                       <p:embed/>
                     </p:oleObj>
                   </mc:Choice>
@@ -3647,7 +3648,7 @@
               <a:graphicData uri="http://schemas.openxmlformats.org/presentationml/2006/ole">
                 <mc:AlternateContent xmlns:mc="http://schemas.openxmlformats.org/markup-compatibility/2006">
                   <mc:Choice xmlns:v="urn:schemas-microsoft-com:vml" Requires="v">
-                    <p:oleObj spid="_x0000_s1054" name="Equation" r:id="rId17" imgW="749160" imgH="1143000" progId="Equation.DSMT4">
+                    <p:oleObj spid="_x0000_s1084" name="Equation" r:id="rId17" imgW="749160" imgH="1143000" progId="Equation.DSMT4">
                       <p:embed/>
                     </p:oleObj>
                   </mc:Choice>
@@ -3708,7 +3709,7 @@
               <a:graphicData uri="http://schemas.openxmlformats.org/presentationml/2006/ole">
                 <mc:AlternateContent xmlns:mc="http://schemas.openxmlformats.org/markup-compatibility/2006">
                   <mc:Choice xmlns:v="urn:schemas-microsoft-com:vml" Requires="v">
-                    <p:oleObj spid="_x0000_s1055" name="Equation" r:id="rId19" imgW="1790640" imgH="1143000" progId="Equation.DSMT4">
+                    <p:oleObj spid="_x0000_s1085" name="Equation" r:id="rId19" imgW="1790640" imgH="1143000" progId="Equation.DSMT4">
                       <p:embed/>
                     </p:oleObj>
                   </mc:Choice>
@@ -3769,7 +3770,7 @@
               <a:graphicData uri="http://schemas.openxmlformats.org/presentationml/2006/ole">
                 <mc:AlternateContent xmlns:mc="http://schemas.openxmlformats.org/markup-compatibility/2006">
                   <mc:Choice xmlns:v="urn:schemas-microsoft-com:vml" Requires="v">
-                    <p:oleObj spid="_x0000_s1056" name="Equation" r:id="rId21" imgW="723600" imgH="939600" progId="Equation.DSMT4">
+                    <p:oleObj spid="_x0000_s1086" name="Equation" r:id="rId21" imgW="723600" imgH="939600" progId="Equation.DSMT4">
                       <p:embed/>
                     </p:oleObj>
                   </mc:Choice>
@@ -3831,7 +3832,7 @@
             <a:graphicData uri="http://schemas.openxmlformats.org/presentationml/2006/ole">
               <mc:AlternateContent xmlns:mc="http://schemas.openxmlformats.org/markup-compatibility/2006">
                 <mc:Choice xmlns:v="urn:schemas-microsoft-com:vml" Requires="v">
-                  <p:oleObj spid="_x0000_s1057" name="Equation" r:id="rId23" imgW="1701720" imgH="241200" progId="Equation.DSMT4">
+                  <p:oleObj spid="_x0000_s1087" name="Equation" r:id="rId23" imgW="1701720" imgH="241200" progId="Equation.DSMT4">
                     <p:embed/>
                   </p:oleObj>
                 </mc:Choice>
@@ -4033,7 +4034,7 @@
             <a:graphicData uri="http://schemas.openxmlformats.org/presentationml/2006/ole">
               <mc:AlternateContent xmlns:mc="http://schemas.openxmlformats.org/markup-compatibility/2006">
                 <mc:Choice xmlns:v="urn:schemas-microsoft-com:vml" Requires="v">
-                  <p:oleObj spid="_x0000_s1058" name="Equation" r:id="rId25" imgW="2908080" imgH="1041120" progId="Equation.DSMT4">
+                  <p:oleObj spid="_x0000_s1088" name="Equation" r:id="rId25" imgW="2908080" imgH="1041120" progId="Equation.DSMT4">
                     <p:embed/>
                   </p:oleObj>
                 </mc:Choice>
@@ -4152,7 +4153,7 @@
           <a:graphicData uri="http://schemas.openxmlformats.org/presentationml/2006/ole">
             <mc:AlternateContent xmlns:mc="http://schemas.openxmlformats.org/markup-compatibility/2006">
               <mc:Choice xmlns:v="urn:schemas-microsoft-com:vml" Requires="v">
-                <p:oleObj spid="_x0000_s1059" name="Equation" r:id="rId28" imgW="1206360" imgH="355320" progId="Equation.DSMT4">
+                <p:oleObj spid="_x0000_s1089" name="Equation" r:id="rId28" imgW="1206360" imgH="355320" progId="Equation.DSMT4">
                   <p:embed/>
                 </p:oleObj>
               </mc:Choice>
@@ -4241,7 +4242,7 @@
           <a:graphicData uri="http://schemas.openxmlformats.org/presentationml/2006/ole">
             <mc:AlternateContent xmlns:mc="http://schemas.openxmlformats.org/markup-compatibility/2006">
               <mc:Choice xmlns:v="urn:schemas-microsoft-com:vml" Requires="v">
-                <p:oleObj spid="_x0000_s1060" name="Equation" r:id="rId30" imgW="3111480" imgH="1143000" progId="Equation.DSMT4">
+                <p:oleObj spid="_x0000_s1090" name="Equation" r:id="rId30" imgW="3111480" imgH="1143000" progId="Equation.DSMT4">
                   <p:embed/>
                 </p:oleObj>
               </mc:Choice>
@@ -4330,7 +4331,7 @@
           <a:graphicData uri="http://schemas.openxmlformats.org/presentationml/2006/ole">
             <mc:AlternateContent xmlns:mc="http://schemas.openxmlformats.org/markup-compatibility/2006">
               <mc:Choice xmlns:v="urn:schemas-microsoft-com:vml" Requires="v">
-                <p:oleObj spid="_x0000_s1061" name="Equation" r:id="rId32" imgW="2400120" imgH="1015920" progId="Equation.DSMT4">
+                <p:oleObj spid="_x0000_s1091" name="Equation" r:id="rId32" imgW="2400120" imgH="1015920" progId="Equation.DSMT4">
                   <p:embed/>
                 </p:oleObj>
               </mc:Choice>
@@ -4470,7 +4471,7 @@
             <a:graphicData uri="http://schemas.openxmlformats.org/presentationml/2006/ole">
               <mc:AlternateContent xmlns:mc="http://schemas.openxmlformats.org/markup-compatibility/2006">
                 <mc:Choice xmlns:v="urn:schemas-microsoft-com:vml" Requires="v">
-                  <p:oleObj spid="_x0000_s2071" name="Equation" r:id="rId3" imgW="1206360" imgH="355320" progId="Equation.DSMT4">
+                  <p:oleObj spid="_x0000_s2081" name="Equation" r:id="rId3" imgW="1206360" imgH="355320" progId="Equation.DSMT4">
                     <p:embed/>
                   </p:oleObj>
                 </mc:Choice>
@@ -4531,7 +4532,7 @@
             <a:graphicData uri="http://schemas.openxmlformats.org/presentationml/2006/ole">
               <mc:AlternateContent xmlns:mc="http://schemas.openxmlformats.org/markup-compatibility/2006">
                 <mc:Choice xmlns:v="urn:schemas-microsoft-com:vml" Requires="v">
-                  <p:oleObj spid="_x0000_s2072" name="Equation" r:id="rId5" imgW="3111480" imgH="1143000" progId="Equation.DSMT4">
+                  <p:oleObj spid="_x0000_s2082" name="Equation" r:id="rId5" imgW="3111480" imgH="1143000" progId="Equation.DSMT4">
                     <p:embed/>
                   </p:oleObj>
                 </mc:Choice>
@@ -4592,7 +4593,7 @@
             <a:graphicData uri="http://schemas.openxmlformats.org/presentationml/2006/ole">
               <mc:AlternateContent xmlns:mc="http://schemas.openxmlformats.org/markup-compatibility/2006">
                 <mc:Choice xmlns:v="urn:schemas-microsoft-com:vml" Requires="v">
-                  <p:oleObj spid="_x0000_s2073" name="Equation" r:id="rId7" imgW="2400120" imgH="1015920" progId="Equation.DSMT4">
+                  <p:oleObj spid="_x0000_s2083" name="Equation" r:id="rId7" imgW="2400120" imgH="1015920" progId="Equation.DSMT4">
                     <p:embed/>
                   </p:oleObj>
                 </mc:Choice>
@@ -4654,7 +4655,7 @@
           <a:graphicData uri="http://schemas.openxmlformats.org/presentationml/2006/ole">
             <mc:AlternateContent xmlns:mc="http://schemas.openxmlformats.org/markup-compatibility/2006">
               <mc:Choice xmlns:v="urn:schemas-microsoft-com:vml" Requires="v">
-                <p:oleObj spid="_x0000_s2074" name="Equation" r:id="rId9" imgW="1244520" imgH="482400" progId="Equation.DSMT4">
+                <p:oleObj spid="_x0000_s2084" name="Equation" r:id="rId9" imgW="1244520" imgH="482400" progId="Equation.DSMT4">
                   <p:embed/>
                 </p:oleObj>
               </mc:Choice>
@@ -4715,7 +4716,7 @@
           <a:graphicData uri="http://schemas.openxmlformats.org/presentationml/2006/ole">
             <mc:AlternateContent xmlns:mc="http://schemas.openxmlformats.org/markup-compatibility/2006">
               <mc:Choice xmlns:v="urn:schemas-microsoft-com:vml" Requires="v">
-                <p:oleObj spid="_x0000_s2075" name="Equation" r:id="rId11" imgW="1701720" imgH="241200" progId="Equation.DSMT4">
+                <p:oleObj spid="_x0000_s2085" name="Equation" r:id="rId11" imgW="1701720" imgH="241200" progId="Equation.DSMT4">
                   <p:embed/>
                 </p:oleObj>
               </mc:Choice>
@@ -4795,6 +4796,473 @@
       </p:par>
     </p:tnLst>
   </p:timing>
+</p:sld>
+</file>
+
+<file path=ppt/slides/slide4.xml><?xml version="1.0" encoding="utf-8"?>
+<p:sld xmlns:a="http://schemas.openxmlformats.org/drawingml/2006/main" xmlns:r="http://schemas.openxmlformats.org/officeDocument/2006/relationships" xmlns:p="http://schemas.openxmlformats.org/presentationml/2006/main">
+  <p:cSld>
+    <p:spTree>
+      <p:nvGrpSpPr>
+        <p:cNvPr id="1" name=""/>
+        <p:cNvGrpSpPr/>
+        <p:nvPr/>
+      </p:nvGrpSpPr>
+      <p:grpSpPr>
+        <a:xfrm>
+          <a:off x="0" y="0"/>
+          <a:ext cx="0" cy="0"/>
+          <a:chOff x="0" y="0"/>
+          <a:chExt cx="0" cy="0"/>
+        </a:xfrm>
+      </p:grpSpPr>
+      <p:sp>
+        <p:nvSpPr>
+          <p:cNvPr id="4" name="TextBox 3"/>
+          <p:cNvSpPr txBox="1"/>
+          <p:nvPr/>
+        </p:nvSpPr>
+        <p:spPr>
+          <a:xfrm>
+            <a:off x="2357934" y="2142381"/>
+            <a:ext cx="5832648" cy="646331"/>
+          </a:xfrm>
+          <a:prstGeom prst="rect">
+            <a:avLst/>
+          </a:prstGeom>
+          <a:noFill/>
+        </p:spPr>
+        <p:txBody>
+          <a:bodyPr wrap="square" rtlCol="0">
+            <a:spAutoFit/>
+          </a:bodyPr>
+          <a:lstStyle/>
+          <a:p>
+            <a:pPr algn="ctr"/>
+            <a:r>
+              <a:rPr lang="en-CA" sz="3600" dirty="0" smtClean="0"/>
+              <a:t>What models to estimate?</a:t>
+            </a:r>
+            <a:endParaRPr lang="en-CA" sz="3600" dirty="0"/>
+          </a:p>
+        </p:txBody>
+      </p:sp>
+      <p:sp>
+        <p:nvSpPr>
+          <p:cNvPr id="5" name="TextBox 4"/>
+          <p:cNvSpPr txBox="1"/>
+          <p:nvPr/>
+        </p:nvSpPr>
+        <p:spPr>
+          <a:xfrm>
+            <a:off x="2357934" y="3366517"/>
+            <a:ext cx="5832648" cy="646331"/>
+          </a:xfrm>
+          <a:prstGeom prst="rect">
+            <a:avLst/>
+          </a:prstGeom>
+          <a:noFill/>
+        </p:spPr>
+        <p:txBody>
+          <a:bodyPr wrap="square" rtlCol="0">
+            <a:spAutoFit/>
+          </a:bodyPr>
+          <a:lstStyle/>
+          <a:p>
+            <a:pPr algn="ctr"/>
+            <a:r>
+              <a:rPr lang="en-CA" sz="3600" dirty="0" smtClean="0"/>
+              <a:t>How to express each result?</a:t>
+            </a:r>
+            <a:endParaRPr lang="en-CA" sz="3600" dirty="0"/>
+          </a:p>
+        </p:txBody>
+      </p:sp>
+      <p:sp>
+        <p:nvSpPr>
+          <p:cNvPr id="6" name="Rectangle 5"/>
+          <p:cNvSpPr/>
+          <p:nvPr/>
+        </p:nvSpPr>
+        <p:spPr>
+          <a:xfrm>
+            <a:off x="4113625" y="1257053"/>
+            <a:ext cx="2961068" cy="923330"/>
+          </a:xfrm>
+          <a:prstGeom prst="rect">
+            <a:avLst/>
+          </a:prstGeom>
+          <a:noFill/>
+        </p:spPr>
+        <p:txBody>
+          <a:bodyPr wrap="none" lIns="91440" tIns="45720" rIns="91440" bIns="45720">
+            <a:spAutoFit/>
+          </a:bodyPr>
+          <a:lstStyle/>
+          <a:p>
+            <a:pPr algn="ctr"/>
+            <a:r>
+              <a:rPr lang="en-US" sz="5400" b="1" cap="none" spc="0" dirty="0" smtClean="0">
+                <a:ln w="1905"/>
+                <a:gradFill>
+                  <a:gsLst>
+                    <a:gs pos="0">
+                      <a:schemeClr val="accent6">
+                        <a:shade val="20000"/>
+                        <a:satMod val="200000"/>
+                      </a:schemeClr>
+                    </a:gs>
+                    <a:gs pos="78000">
+                      <a:schemeClr val="accent6">
+                        <a:tint val="90000"/>
+                        <a:shade val="89000"/>
+                        <a:satMod val="220000"/>
+                      </a:schemeClr>
+                    </a:gs>
+                    <a:gs pos="100000">
+                      <a:schemeClr val="accent6">
+                        <a:tint val="12000"/>
+                        <a:satMod val="255000"/>
+                      </a:schemeClr>
+                    </a:gs>
+                  </a:gsLst>
+                  <a:lin ang="5400000"/>
+                </a:gradFill>
+                <a:effectLst>
+                  <a:innerShdw blurRad="69850" dist="43180" dir="5400000">
+                    <a:srgbClr val="000000">
+                      <a:alpha val="65000"/>
+                    </a:srgbClr>
+                  </a:innerShdw>
+                </a:effectLst>
+              </a:rPr>
+              <a:t>Sequence</a:t>
+            </a:r>
+            <a:endParaRPr lang="en-US" sz="5400" b="1" cap="none" spc="0" dirty="0">
+              <a:ln w="1905"/>
+              <a:gradFill>
+                <a:gsLst>
+                  <a:gs pos="0">
+                    <a:schemeClr val="accent6">
+                      <a:shade val="20000"/>
+                      <a:satMod val="200000"/>
+                    </a:schemeClr>
+                  </a:gs>
+                  <a:gs pos="78000">
+                    <a:schemeClr val="accent6">
+                      <a:tint val="90000"/>
+                      <a:shade val="89000"/>
+                      <a:satMod val="220000"/>
+                    </a:schemeClr>
+                  </a:gs>
+                  <a:gs pos="100000">
+                    <a:schemeClr val="accent6">
+                      <a:tint val="12000"/>
+                      <a:satMod val="255000"/>
+                    </a:schemeClr>
+                  </a:gs>
+                </a:gsLst>
+                <a:lin ang="5400000"/>
+              </a:gradFill>
+              <a:effectLst>
+                <a:innerShdw blurRad="69850" dist="43180" dir="5400000">
+                  <a:srgbClr val="000000">
+                    <a:alpha val="65000"/>
+                  </a:srgbClr>
+                </a:innerShdw>
+              </a:effectLst>
+            </a:endParaRPr>
+          </a:p>
+        </p:txBody>
+      </p:sp>
+      <p:sp>
+        <p:nvSpPr>
+          <p:cNvPr id="7" name="Rectangle 6"/>
+          <p:cNvSpPr/>
+          <p:nvPr/>
+        </p:nvSpPr>
+        <p:spPr>
+          <a:xfrm>
+            <a:off x="4568077" y="2634951"/>
+            <a:ext cx="2052165" cy="923330"/>
+          </a:xfrm>
+          <a:prstGeom prst="rect">
+            <a:avLst/>
+          </a:prstGeom>
+          <a:noFill/>
+        </p:spPr>
+        <p:txBody>
+          <a:bodyPr wrap="none" lIns="91440" tIns="45720" rIns="91440" bIns="45720">
+            <a:spAutoFit/>
+          </a:bodyPr>
+          <a:lstStyle/>
+          <a:p>
+            <a:pPr algn="ctr"/>
+            <a:r>
+              <a:rPr lang="en-US" sz="5400" b="1" dirty="0" smtClean="0">
+                <a:ln w="1905"/>
+                <a:gradFill>
+                  <a:gsLst>
+                    <a:gs pos="0">
+                      <a:schemeClr val="accent6">
+                        <a:shade val="20000"/>
+                        <a:satMod val="200000"/>
+                      </a:schemeClr>
+                    </a:gs>
+                    <a:gs pos="78000">
+                      <a:schemeClr val="accent6">
+                        <a:tint val="90000"/>
+                        <a:shade val="89000"/>
+                        <a:satMod val="220000"/>
+                      </a:schemeClr>
+                    </a:gs>
+                    <a:gs pos="100000">
+                      <a:schemeClr val="accent6">
+                        <a:tint val="12000"/>
+                        <a:satMod val="255000"/>
+                      </a:schemeClr>
+                    </a:gs>
+                  </a:gsLst>
+                  <a:lin ang="5400000"/>
+                </a:gradFill>
+                <a:effectLst>
+                  <a:innerShdw blurRad="69850" dist="43180" dir="5400000">
+                    <a:srgbClr val="000000">
+                      <a:alpha val="65000"/>
+                    </a:srgbClr>
+                  </a:innerShdw>
+                </a:effectLst>
+              </a:rPr>
+              <a:t>Model</a:t>
+            </a:r>
+            <a:endParaRPr lang="en-US" sz="5400" b="1" cap="none" spc="0" dirty="0">
+              <a:ln w="1905"/>
+              <a:gradFill>
+                <a:gsLst>
+                  <a:gs pos="0">
+                    <a:schemeClr val="accent6">
+                      <a:shade val="20000"/>
+                      <a:satMod val="200000"/>
+                    </a:schemeClr>
+                  </a:gs>
+                  <a:gs pos="78000">
+                    <a:schemeClr val="accent6">
+                      <a:tint val="90000"/>
+                      <a:shade val="89000"/>
+                      <a:satMod val="220000"/>
+                    </a:schemeClr>
+                  </a:gs>
+                  <a:gs pos="100000">
+                    <a:schemeClr val="accent6">
+                      <a:tint val="12000"/>
+                      <a:satMod val="255000"/>
+                    </a:schemeClr>
+                  </a:gs>
+                </a:gsLst>
+                <a:lin ang="5400000"/>
+              </a:gradFill>
+              <a:effectLst>
+                <a:innerShdw blurRad="69850" dist="43180" dir="5400000">
+                  <a:srgbClr val="000000">
+                    <a:alpha val="65000"/>
+                  </a:srgbClr>
+                </a:innerShdw>
+              </a:effectLst>
+            </a:endParaRPr>
+          </a:p>
+        </p:txBody>
+      </p:sp>
+      <p:sp>
+        <p:nvSpPr>
+          <p:cNvPr id="8" name="Rectangle 7"/>
+          <p:cNvSpPr/>
+          <p:nvPr/>
+        </p:nvSpPr>
+        <p:spPr>
+          <a:xfrm>
+            <a:off x="3484158" y="4012848"/>
+            <a:ext cx="4220002" cy="923330"/>
+          </a:xfrm>
+          <a:prstGeom prst="rect">
+            <a:avLst/>
+          </a:prstGeom>
+          <a:noFill/>
+        </p:spPr>
+        <p:txBody>
+          <a:bodyPr wrap="none" lIns="91440" tIns="45720" rIns="91440" bIns="45720">
+            <a:spAutoFit/>
+          </a:bodyPr>
+          <a:lstStyle/>
+          <a:p>
+            <a:pPr algn="ctr"/>
+            <a:r>
+              <a:rPr lang="en-US" sz="5400" b="1" dirty="0" smtClean="0">
+                <a:ln w="1905"/>
+                <a:gradFill>
+                  <a:gsLst>
+                    <a:gs pos="0">
+                      <a:schemeClr val="accent6">
+                        <a:shade val="20000"/>
+                        <a:satMod val="200000"/>
+                      </a:schemeClr>
+                    </a:gs>
+                    <a:gs pos="78000">
+                      <a:schemeClr val="accent6">
+                        <a:tint val="90000"/>
+                        <a:shade val="89000"/>
+                        <a:satMod val="220000"/>
+                      </a:schemeClr>
+                    </a:gs>
+                    <a:gs pos="100000">
+                      <a:schemeClr val="accent6">
+                        <a:tint val="12000"/>
+                        <a:satMod val="255000"/>
+                      </a:schemeClr>
+                    </a:gs>
+                  </a:gsLst>
+                  <a:lin ang="5400000"/>
+                </a:gradFill>
+                <a:effectLst>
+                  <a:innerShdw blurRad="69850" dist="43180" dir="5400000">
+                    <a:srgbClr val="000000">
+                      <a:alpha val="65000"/>
+                    </a:srgbClr>
+                  </a:innerShdw>
+                </a:effectLst>
+              </a:rPr>
+              <a:t>Manifestation</a:t>
+            </a:r>
+            <a:endParaRPr lang="en-US" sz="5400" b="1" cap="none" spc="0" dirty="0">
+              <a:ln w="1905"/>
+              <a:gradFill>
+                <a:gsLst>
+                  <a:gs pos="0">
+                    <a:schemeClr val="accent6">
+                      <a:shade val="20000"/>
+                      <a:satMod val="200000"/>
+                    </a:schemeClr>
+                  </a:gs>
+                  <a:gs pos="78000">
+                    <a:schemeClr val="accent6">
+                      <a:tint val="90000"/>
+                      <a:shade val="89000"/>
+                      <a:satMod val="220000"/>
+                    </a:schemeClr>
+                  </a:gs>
+                  <a:gs pos="100000">
+                    <a:schemeClr val="accent6">
+                      <a:tint val="12000"/>
+                      <a:satMod val="255000"/>
+                    </a:schemeClr>
+                  </a:gs>
+                </a:gsLst>
+                <a:lin ang="5400000"/>
+              </a:gradFill>
+              <a:effectLst>
+                <a:innerShdw blurRad="69850" dist="43180" dir="5400000">
+                  <a:srgbClr val="000000">
+                    <a:alpha val="65000"/>
+                  </a:srgbClr>
+                </a:innerShdw>
+              </a:effectLst>
+            </a:endParaRPr>
+          </a:p>
+        </p:txBody>
+      </p:sp>
+      <p:cxnSp>
+        <p:nvCxnSpPr>
+          <p:cNvPr id="22" name="Curved Connector 21"/>
+          <p:cNvCxnSpPr>
+            <a:stCxn id="4" idx="3"/>
+            <a:endCxn id="5" idx="3"/>
+          </p:cNvCxnSpPr>
+          <p:nvPr/>
+        </p:nvCxnSpPr>
+        <p:spPr>
+          <a:xfrm>
+            <a:off x="8190582" y="2465547"/>
+            <a:ext cx="12700" cy="1224136"/>
+          </a:xfrm>
+          <a:prstGeom prst="curvedConnector3">
+            <a:avLst>
+              <a:gd name="adj1" fmla="val 4300000"/>
+            </a:avLst>
+          </a:prstGeom>
+          <a:ln w="19050">
+            <a:solidFill>
+              <a:schemeClr val="tx1"/>
+            </a:solidFill>
+            <a:headEnd type="none"/>
+            <a:tailEnd type="triangle" w="lg" len="med"/>
+          </a:ln>
+        </p:spPr>
+        <p:style>
+          <a:lnRef idx="1">
+            <a:schemeClr val="accent1"/>
+          </a:lnRef>
+          <a:fillRef idx="0">
+            <a:schemeClr val="accent1"/>
+          </a:fillRef>
+          <a:effectRef idx="0">
+            <a:schemeClr val="accent1"/>
+          </a:effectRef>
+          <a:fontRef idx="minor">
+            <a:schemeClr val="tx1"/>
+          </a:fontRef>
+        </p:style>
+      </p:cxnSp>
+      <p:cxnSp>
+        <p:nvCxnSpPr>
+          <p:cNvPr id="26" name="Curved Connector 25"/>
+          <p:cNvCxnSpPr>
+            <a:stCxn id="5" idx="1"/>
+            <a:endCxn id="4" idx="1"/>
+          </p:cNvCxnSpPr>
+          <p:nvPr/>
+        </p:nvCxnSpPr>
+        <p:spPr>
+          <a:xfrm rot="10800000">
+            <a:off x="2357934" y="2465547"/>
+            <a:ext cx="12700" cy="1224136"/>
+          </a:xfrm>
+          <a:prstGeom prst="curvedConnector3">
+            <a:avLst>
+              <a:gd name="adj1" fmla="val 4300000"/>
+            </a:avLst>
+          </a:prstGeom>
+          <a:ln w="19050">
+            <a:solidFill>
+              <a:schemeClr val="tx1"/>
+            </a:solidFill>
+            <a:headEnd type="none" w="lg" len="med"/>
+            <a:tailEnd type="triangle" w="lg" len="med"/>
+          </a:ln>
+        </p:spPr>
+        <p:style>
+          <a:lnRef idx="1">
+            <a:schemeClr val="accent1"/>
+          </a:lnRef>
+          <a:fillRef idx="0">
+            <a:schemeClr val="accent1"/>
+          </a:fillRef>
+          <a:effectRef idx="0">
+            <a:schemeClr val="accent1"/>
+          </a:effectRef>
+          <a:fontRef idx="minor">
+            <a:schemeClr val="tx1"/>
+          </a:fontRef>
+        </p:style>
+      </p:cxnSp>
+    </p:spTree>
+    <p:extLst>
+      <p:ext uri="{BB962C8B-B14F-4D97-AF65-F5344CB8AC3E}">
+        <p14:creationId xmlns:p14="http://schemas.microsoft.com/office/powerpoint/2010/main" val="604484784"/>
+      </p:ext>
+    </p:extLst>
+  </p:cSld>
+  <p:clrMapOvr>
+    <a:masterClrMapping/>
+  </p:clrMapOvr>
 </p:sld>
 </file>
 
@@ -5078,7 +5546,34 @@
       </a:bgFillStyleLst>
     </a:fmtScheme>
   </a:themeElements>
-  <a:objectDefaults/>
+  <a:objectDefaults>
+    <a:lnDef>
+      <a:spPr>
+        <a:ln w="12700">
+          <a:solidFill>
+            <a:schemeClr val="tx1"/>
+          </a:solidFill>
+          <a:tailEnd type="triangle" w="lg" len="med"/>
+        </a:ln>
+      </a:spPr>
+      <a:bodyPr/>
+      <a:lstStyle/>
+      <a:style>
+        <a:lnRef idx="1">
+          <a:schemeClr val="accent1"/>
+        </a:lnRef>
+        <a:fillRef idx="0">
+          <a:schemeClr val="accent1"/>
+        </a:fillRef>
+        <a:effectRef idx="0">
+          <a:schemeClr val="accent1"/>
+        </a:effectRef>
+        <a:fontRef idx="minor">
+          <a:schemeClr val="tx1"/>
+        </a:fontRef>
+      </a:style>
+    </a:lnDef>
+  </a:objectDefaults>
   <a:extraClrSchemeLst/>
 </a:theme>
 </file>
--- a/Reports/LCMsequence/models/formulas/GeneralForumula.pptx
+++ b/Reports/LCMsequence/models/formulas/GeneralForumula.pptx
@@ -107,6 +107,22 @@
       </a:defRPr>
     </a:lvl9pPr>
   </p:defaultTextStyle>
+  <p:extLst>
+    <p:ext uri="{EFAFB233-063F-42B5-8137-9DF3F51BA10A}">
+      <p15:sldGuideLst xmlns:p15="http://schemas.microsoft.com/office/powerpoint/2012/main">
+        <p15:guide id="1" orient="horz" pos="2166">
+          <p15:clr>
+            <a:srgbClr val="A4A3A4"/>
+          </p15:clr>
+        </p15:guide>
+        <p15:guide id="2" pos="3844">
+          <p15:clr>
+            <a:srgbClr val="A4A3A4"/>
+          </p15:clr>
+        </p15:guide>
+      </p15:sldGuideLst>
+    </p:ext>
+  </p:extLst>
 </p:presentation>
 </file>
 
@@ -291,7 +307,7 @@
           <a:p>
             <a:fld id="{EA1B5ED0-9FCD-43EA-B7E6-5714DB80E54F}" type="datetimeFigureOut">
               <a:rPr lang="en-CA" smtClean="0"/>
-              <a:t>02/12/2014</a:t>
+              <a:t>2015-01-20</a:t>
             </a:fld>
             <a:endParaRPr lang="en-CA"/>
           </a:p>
@@ -461,7 +477,7 @@
           <a:p>
             <a:fld id="{EA1B5ED0-9FCD-43EA-B7E6-5714DB80E54F}" type="datetimeFigureOut">
               <a:rPr lang="en-CA" smtClean="0"/>
-              <a:t>02/12/2014</a:t>
+              <a:t>2015-01-20</a:t>
             </a:fld>
             <a:endParaRPr lang="en-CA"/>
           </a:p>
@@ -641,7 +657,7 @@
           <a:p>
             <a:fld id="{EA1B5ED0-9FCD-43EA-B7E6-5714DB80E54F}" type="datetimeFigureOut">
               <a:rPr lang="en-CA" smtClean="0"/>
-              <a:t>02/12/2014</a:t>
+              <a:t>2015-01-20</a:t>
             </a:fld>
             <a:endParaRPr lang="en-CA"/>
           </a:p>
@@ -811,7 +827,7 @@
           <a:p>
             <a:fld id="{EA1B5ED0-9FCD-43EA-B7E6-5714DB80E54F}" type="datetimeFigureOut">
               <a:rPr lang="en-CA" smtClean="0"/>
-              <a:t>02/12/2014</a:t>
+              <a:t>2015-01-20</a:t>
             </a:fld>
             <a:endParaRPr lang="en-CA"/>
           </a:p>
@@ -1057,7 +1073,7 @@
           <a:p>
             <a:fld id="{EA1B5ED0-9FCD-43EA-B7E6-5714DB80E54F}" type="datetimeFigureOut">
               <a:rPr lang="en-CA" smtClean="0"/>
-              <a:t>02/12/2014</a:t>
+              <a:t>2015-01-20</a:t>
             </a:fld>
             <a:endParaRPr lang="en-CA"/>
           </a:p>
@@ -1345,7 +1361,7 @@
           <a:p>
             <a:fld id="{EA1B5ED0-9FCD-43EA-B7E6-5714DB80E54F}" type="datetimeFigureOut">
               <a:rPr lang="en-CA" smtClean="0"/>
-              <a:t>02/12/2014</a:t>
+              <a:t>2015-01-20</a:t>
             </a:fld>
             <a:endParaRPr lang="en-CA"/>
           </a:p>
@@ -1772,7 +1788,7 @@
           <a:p>
             <a:fld id="{EA1B5ED0-9FCD-43EA-B7E6-5714DB80E54F}" type="datetimeFigureOut">
               <a:rPr lang="en-CA" smtClean="0"/>
-              <a:t>02/12/2014</a:t>
+              <a:t>2015-01-20</a:t>
             </a:fld>
             <a:endParaRPr lang="en-CA"/>
           </a:p>
@@ -1890,7 +1906,7 @@
           <a:p>
             <a:fld id="{EA1B5ED0-9FCD-43EA-B7E6-5714DB80E54F}" type="datetimeFigureOut">
               <a:rPr lang="en-CA" smtClean="0"/>
-              <a:t>02/12/2014</a:t>
+              <a:t>2015-01-20</a:t>
             </a:fld>
             <a:endParaRPr lang="en-CA"/>
           </a:p>
@@ -1985,7 +2001,7 @@
           <a:p>
             <a:fld id="{EA1B5ED0-9FCD-43EA-B7E6-5714DB80E54F}" type="datetimeFigureOut">
               <a:rPr lang="en-CA" smtClean="0"/>
-              <a:t>02/12/2014</a:t>
+              <a:t>2015-01-20</a:t>
             </a:fld>
             <a:endParaRPr lang="en-CA"/>
           </a:p>
@@ -2262,7 +2278,7 @@
           <a:p>
             <a:fld id="{EA1B5ED0-9FCD-43EA-B7E6-5714DB80E54F}" type="datetimeFigureOut">
               <a:rPr lang="en-CA" smtClean="0"/>
-              <a:t>02/12/2014</a:t>
+              <a:t>2015-01-20</a:t>
             </a:fld>
             <a:endParaRPr lang="en-CA"/>
           </a:p>
@@ -2515,7 +2531,7 @@
           <a:p>
             <a:fld id="{EA1B5ED0-9FCD-43EA-B7E6-5714DB80E54F}" type="datetimeFigureOut">
               <a:rPr lang="en-CA" smtClean="0"/>
-              <a:t>02/12/2014</a:t>
+              <a:t>2015-01-20</a:t>
             </a:fld>
             <a:endParaRPr lang="en-CA"/>
           </a:p>
@@ -2728,7 +2744,7 @@
           <a:p>
             <a:fld id="{EA1B5ED0-9FCD-43EA-B7E6-5714DB80E54F}" type="datetimeFigureOut">
               <a:rPr lang="en-CA" smtClean="0"/>
-              <a:t>02/12/2014</a:t>
+              <a:t>2015-01-20</a:t>
             </a:fld>
             <a:endParaRPr lang="en-CA"/>
           </a:p>
@@ -3171,935 +3187,811 @@
           <a:chExt cx="0" cy="0"/>
         </a:xfrm>
       </p:grpSpPr>
+      <p:graphicFrame>
+        <p:nvGraphicFramePr>
+          <p:cNvPr id="9" name="Object 8"/>
+          <p:cNvGraphicFramePr>
+            <a:graphicFrameLocks noChangeAspect="1"/>
+          </p:cNvGraphicFramePr>
+          <p:nvPr>
+            <p:extLst>
+              <p:ext uri="{D42A27DB-BD31-4B8C-83A1-F6EECF244321}">
+                <p14:modId xmlns:p14="http://schemas.microsoft.com/office/powerpoint/2010/main" val="2021487672"/>
+              </p:ext>
+            </p:extLst>
+          </p:nvPr>
+        </p:nvGraphicFramePr>
+        <p:xfrm>
+          <a:off x="259689" y="99434"/>
+          <a:ext cx="1629741" cy="634479"/>
+        </p:xfrm>
+        <a:graphic>
+          <a:graphicData uri="http://schemas.openxmlformats.org/presentationml/2006/ole">
+            <mc:AlternateContent xmlns:mc="http://schemas.openxmlformats.org/markup-compatibility/2006">
+              <mc:Choice xmlns:v="urn:schemas-microsoft-com:vml" Requires="v">
+                <p:oleObj spid="_x0000_s1107" name="Equation" r:id="rId3" imgW="1244520" imgH="482400" progId="Equation.DSMT4">
+                  <p:embed/>
+                </p:oleObj>
+              </mc:Choice>
+              <mc:Fallback>
+                <p:oleObj name="Equation" r:id="rId3" imgW="1244520" imgH="482400" progId="Equation.DSMT4">
+                  <p:embed/>
+                  <p:pic>
+                    <p:nvPicPr>
+                      <p:cNvPr id="0" name=""/>
+                      <p:cNvPicPr>
+                        <a:picLocks noChangeAspect="1" noChangeArrowheads="1"/>
+                      </p:cNvPicPr>
+                      <p:nvPr/>
+                    </p:nvPicPr>
+                    <p:blipFill>
+                      <a:blip r:embed="rId4"/>
+                      <a:srcRect/>
+                      <a:stretch>
+                        <a:fillRect/>
+                      </a:stretch>
+                    </p:blipFill>
+                    <p:spPr bwMode="auto">
+                      <a:xfrm>
+                        <a:off x="259689" y="99434"/>
+                        <a:ext cx="1629741" cy="634479"/>
+                      </a:xfrm>
+                      <a:prstGeom prst="rect">
+                        <a:avLst/>
+                      </a:prstGeom>
+                      <a:noFill/>
+                    </p:spPr>
+                  </p:pic>
+                </p:oleObj>
+              </mc:Fallback>
+            </mc:AlternateContent>
+          </a:graphicData>
+        </a:graphic>
+      </p:graphicFrame>
+      <p:graphicFrame>
+        <p:nvGraphicFramePr>
+          <p:cNvPr id="12" name="Object 11"/>
+          <p:cNvGraphicFramePr>
+            <a:graphicFrameLocks noChangeAspect="1"/>
+          </p:cNvGraphicFramePr>
+          <p:nvPr>
+            <p:extLst>
+              <p:ext uri="{D42A27DB-BD31-4B8C-83A1-F6EECF244321}">
+                <p14:modId xmlns:p14="http://schemas.microsoft.com/office/powerpoint/2010/main" val="1670867700"/>
+              </p:ext>
+            </p:extLst>
+          </p:nvPr>
+        </p:nvGraphicFramePr>
+        <p:xfrm>
+          <a:off x="5867283" y="2070373"/>
+          <a:ext cx="898541" cy="1235645"/>
+        </p:xfrm>
+        <a:graphic>
+          <a:graphicData uri="http://schemas.openxmlformats.org/presentationml/2006/ole">
+            <mc:AlternateContent xmlns:mc="http://schemas.openxmlformats.org/markup-compatibility/2006">
+              <mc:Choice xmlns:v="urn:schemas-microsoft-com:vml" Requires="v">
+                <p:oleObj spid="_x0000_s1108" name="Equation" r:id="rId5" imgW="685800" imgH="939600" progId="Equation.DSMT4">
+                  <p:embed/>
+                </p:oleObj>
+              </mc:Choice>
+              <mc:Fallback>
+                <p:oleObj name="Equation" r:id="rId5" imgW="685800" imgH="939600" progId="Equation.DSMT4">
+                  <p:embed/>
+                  <p:pic>
+                    <p:nvPicPr>
+                      <p:cNvPr id="0" name=""/>
+                      <p:cNvPicPr>
+                        <a:picLocks noChangeAspect="1" noChangeArrowheads="1"/>
+                      </p:cNvPicPr>
+                      <p:nvPr/>
+                    </p:nvPicPr>
+                    <p:blipFill>
+                      <a:blip r:embed="rId6"/>
+                      <a:srcRect/>
+                      <a:stretch>
+                        <a:fillRect/>
+                      </a:stretch>
+                    </p:blipFill>
+                    <p:spPr bwMode="auto">
+                      <a:xfrm>
+                        <a:off x="5867283" y="2070373"/>
+                        <a:ext cx="898541" cy="1235645"/>
+                      </a:xfrm>
+                      <a:prstGeom prst="rect">
+                        <a:avLst/>
+                      </a:prstGeom>
+                      <a:noFill/>
+                    </p:spPr>
+                  </p:pic>
+                </p:oleObj>
+              </mc:Fallback>
+            </mc:AlternateContent>
+          </a:graphicData>
+        </a:graphic>
+      </p:graphicFrame>
+      <p:graphicFrame>
+        <p:nvGraphicFramePr>
+          <p:cNvPr id="13" name="Object 12"/>
+          <p:cNvGraphicFramePr>
+            <a:graphicFrameLocks noChangeAspect="1"/>
+          </p:cNvGraphicFramePr>
+          <p:nvPr>
+            <p:extLst>
+              <p:ext uri="{D42A27DB-BD31-4B8C-83A1-F6EECF244321}">
+                <p14:modId xmlns:p14="http://schemas.microsoft.com/office/powerpoint/2010/main" val="1526995234"/>
+              </p:ext>
+            </p:extLst>
+          </p:nvPr>
+        </p:nvGraphicFramePr>
+        <p:xfrm>
+          <a:off x="252413" y="884960"/>
+          <a:ext cx="793044" cy="1347205"/>
+        </p:xfrm>
+        <a:graphic>
+          <a:graphicData uri="http://schemas.openxmlformats.org/presentationml/2006/ole">
+            <mc:AlternateContent xmlns:mc="http://schemas.openxmlformats.org/markup-compatibility/2006">
+              <mc:Choice xmlns:v="urn:schemas-microsoft-com:vml" Requires="v">
+                <p:oleObj spid="_x0000_s1109" name="Equation" r:id="rId7" imgW="660240" imgH="1117440" progId="Equation.DSMT4">
+                  <p:embed/>
+                </p:oleObj>
+              </mc:Choice>
+              <mc:Fallback>
+                <p:oleObj name="Equation" r:id="rId7" imgW="660240" imgH="1117440" progId="Equation.DSMT4">
+                  <p:embed/>
+                  <p:pic>
+                    <p:nvPicPr>
+                      <p:cNvPr id="0" name=""/>
+                      <p:cNvPicPr>
+                        <a:picLocks noChangeAspect="1" noChangeArrowheads="1"/>
+                      </p:cNvPicPr>
+                      <p:nvPr/>
+                    </p:nvPicPr>
+                    <p:blipFill>
+                      <a:blip r:embed="rId8"/>
+                      <a:srcRect/>
+                      <a:stretch>
+                        <a:fillRect/>
+                      </a:stretch>
+                    </p:blipFill>
+                    <p:spPr bwMode="auto">
+                      <a:xfrm>
+                        <a:off x="252413" y="884960"/>
+                        <a:ext cx="793044" cy="1347205"/>
+                      </a:xfrm>
+                      <a:prstGeom prst="rect">
+                        <a:avLst/>
+                      </a:prstGeom>
+                      <a:noFill/>
+                    </p:spPr>
+                  </p:pic>
+                </p:oleObj>
+              </mc:Fallback>
+            </mc:AlternateContent>
+          </a:graphicData>
+        </a:graphic>
+      </p:graphicFrame>
+      <p:graphicFrame>
+        <p:nvGraphicFramePr>
+          <p:cNvPr id="14" name="Object 13"/>
+          <p:cNvGraphicFramePr>
+            <a:graphicFrameLocks noChangeAspect="1"/>
+          </p:cNvGraphicFramePr>
+          <p:nvPr>
+            <p:extLst>
+              <p:ext uri="{D42A27DB-BD31-4B8C-83A1-F6EECF244321}">
+                <p14:modId xmlns:p14="http://schemas.microsoft.com/office/powerpoint/2010/main" val="2728268069"/>
+              </p:ext>
+            </p:extLst>
+          </p:nvPr>
+        </p:nvGraphicFramePr>
+        <p:xfrm>
+          <a:off x="1216025" y="884238"/>
+          <a:ext cx="2335213" cy="1103312"/>
+        </p:xfrm>
+        <a:graphic>
+          <a:graphicData uri="http://schemas.openxmlformats.org/presentationml/2006/ole">
+            <mc:AlternateContent xmlns:mc="http://schemas.openxmlformats.org/markup-compatibility/2006">
+              <mc:Choice xmlns:v="urn:schemas-microsoft-com:vml" Requires="v">
+                <p:oleObj spid="_x0000_s1110" name="Equation" r:id="rId9" imgW="1942920" imgH="914400" progId="Equation.DSMT4">
+                  <p:embed/>
+                </p:oleObj>
+              </mc:Choice>
+              <mc:Fallback>
+                <p:oleObj name="Equation" r:id="rId9" imgW="1942920" imgH="914400" progId="Equation.DSMT4">
+                  <p:embed/>
+                  <p:pic>
+                    <p:nvPicPr>
+                      <p:cNvPr id="0" name=""/>
+                      <p:cNvPicPr>
+                        <a:picLocks noChangeAspect="1" noChangeArrowheads="1"/>
+                      </p:cNvPicPr>
+                      <p:nvPr/>
+                    </p:nvPicPr>
+                    <p:blipFill>
+                      <a:blip r:embed="rId10"/>
+                      <a:srcRect/>
+                      <a:stretch>
+                        <a:fillRect/>
+                      </a:stretch>
+                    </p:blipFill>
+                    <p:spPr bwMode="auto">
+                      <a:xfrm>
+                        <a:off x="1216025" y="884238"/>
+                        <a:ext cx="2335213" cy="1103312"/>
+                      </a:xfrm>
+                      <a:prstGeom prst="rect">
+                        <a:avLst/>
+                      </a:prstGeom>
+                      <a:noFill/>
+                    </p:spPr>
+                  </p:pic>
+                </p:oleObj>
+              </mc:Fallback>
+            </mc:AlternateContent>
+          </a:graphicData>
+        </a:graphic>
+      </p:graphicFrame>
+      <p:graphicFrame>
+        <p:nvGraphicFramePr>
+          <p:cNvPr id="15" name="Object 14"/>
+          <p:cNvGraphicFramePr>
+            <a:graphicFrameLocks noChangeAspect="1"/>
+          </p:cNvGraphicFramePr>
+          <p:nvPr>
+            <p:extLst>
+              <p:ext uri="{D42A27DB-BD31-4B8C-83A1-F6EECF244321}">
+                <p14:modId xmlns:p14="http://schemas.microsoft.com/office/powerpoint/2010/main" val="3128894310"/>
+              </p:ext>
+            </p:extLst>
+          </p:nvPr>
+        </p:nvGraphicFramePr>
+        <p:xfrm>
+          <a:off x="3653359" y="883748"/>
+          <a:ext cx="794257" cy="1348417"/>
+        </p:xfrm>
+        <a:graphic>
+          <a:graphicData uri="http://schemas.openxmlformats.org/presentationml/2006/ole">
+            <mc:AlternateContent xmlns:mc="http://schemas.openxmlformats.org/markup-compatibility/2006">
+              <mc:Choice xmlns:v="urn:schemas-microsoft-com:vml" Requires="v">
+                <p:oleObj spid="_x0000_s1111" name="Equation" r:id="rId11" imgW="660240" imgH="1117440" progId="Equation.DSMT4">
+                  <p:embed/>
+                </p:oleObj>
+              </mc:Choice>
+              <mc:Fallback>
+                <p:oleObj name="Equation" r:id="rId11" imgW="660240" imgH="1117440" progId="Equation.DSMT4">
+                  <p:embed/>
+                  <p:pic>
+                    <p:nvPicPr>
+                      <p:cNvPr id="0" name=""/>
+                      <p:cNvPicPr>
+                        <a:picLocks noChangeAspect="1" noChangeArrowheads="1"/>
+                      </p:cNvPicPr>
+                      <p:nvPr/>
+                    </p:nvPicPr>
+                    <p:blipFill>
+                      <a:blip r:embed="rId12"/>
+                      <a:srcRect/>
+                      <a:stretch>
+                        <a:fillRect/>
+                      </a:stretch>
+                    </p:blipFill>
+                    <p:spPr bwMode="auto">
+                      <a:xfrm>
+                        <a:off x="3653359" y="883748"/>
+                        <a:ext cx="794257" cy="1348417"/>
+                      </a:xfrm>
+                      <a:prstGeom prst="rect">
+                        <a:avLst/>
+                      </a:prstGeom>
+                      <a:noFill/>
+                    </p:spPr>
+                  </p:pic>
+                </p:oleObj>
+              </mc:Fallback>
+            </mc:AlternateContent>
+          </a:graphicData>
+        </a:graphic>
+      </p:graphicFrame>
+      <p:graphicFrame>
+        <p:nvGraphicFramePr>
+          <p:cNvPr id="16" name="Object 15"/>
+          <p:cNvGraphicFramePr>
+            <a:graphicFrameLocks noChangeAspect="1"/>
+          </p:cNvGraphicFramePr>
+          <p:nvPr>
+            <p:extLst>
+              <p:ext uri="{D42A27DB-BD31-4B8C-83A1-F6EECF244321}">
+                <p14:modId xmlns:p14="http://schemas.microsoft.com/office/powerpoint/2010/main" val="3907950839"/>
+              </p:ext>
+            </p:extLst>
+          </p:nvPr>
+        </p:nvGraphicFramePr>
+        <p:xfrm>
+          <a:off x="4728371" y="887518"/>
+          <a:ext cx="762729" cy="1132573"/>
+        </p:xfrm>
+        <a:graphic>
+          <a:graphicData uri="http://schemas.openxmlformats.org/presentationml/2006/ole">
+            <mc:AlternateContent xmlns:mc="http://schemas.openxmlformats.org/markup-compatibility/2006">
+              <mc:Choice xmlns:v="urn:schemas-microsoft-com:vml" Requires="v">
+                <p:oleObj spid="_x0000_s1112" name="Equation" r:id="rId13" imgW="634680" imgH="939600" progId="Equation.DSMT4">
+                  <p:embed/>
+                </p:oleObj>
+              </mc:Choice>
+              <mc:Fallback>
+                <p:oleObj name="Equation" r:id="rId13" imgW="634680" imgH="939600" progId="Equation.DSMT4">
+                  <p:embed/>
+                  <p:pic>
+                    <p:nvPicPr>
+                      <p:cNvPr id="0" name=""/>
+                      <p:cNvPicPr>
+                        <a:picLocks noChangeAspect="1" noChangeArrowheads="1"/>
+                      </p:cNvPicPr>
+                      <p:nvPr/>
+                    </p:nvPicPr>
+                    <p:blipFill>
+                      <a:blip r:embed="rId14"/>
+                      <a:srcRect/>
+                      <a:stretch>
+                        <a:fillRect/>
+                      </a:stretch>
+                    </p:blipFill>
+                    <p:spPr bwMode="auto">
+                      <a:xfrm>
+                        <a:off x="4728371" y="887518"/>
+                        <a:ext cx="762729" cy="1132573"/>
+                      </a:xfrm>
+                      <a:prstGeom prst="rect">
+                        <a:avLst/>
+                      </a:prstGeom>
+                      <a:noFill/>
+                    </p:spPr>
+                  </p:pic>
+                </p:oleObj>
+              </mc:Fallback>
+            </mc:AlternateContent>
+          </a:graphicData>
+        </a:graphic>
+      </p:graphicFrame>
+      <p:graphicFrame>
+        <p:nvGraphicFramePr>
+          <p:cNvPr id="17" name="Object 16"/>
+          <p:cNvGraphicFramePr>
+            <a:graphicFrameLocks noChangeAspect="1"/>
+          </p:cNvGraphicFramePr>
+          <p:nvPr>
+            <p:extLst>
+              <p:ext uri="{D42A27DB-BD31-4B8C-83A1-F6EECF244321}">
+                <p14:modId xmlns:p14="http://schemas.microsoft.com/office/powerpoint/2010/main" val="3959085548"/>
+              </p:ext>
+            </p:extLst>
+          </p:nvPr>
+        </p:nvGraphicFramePr>
+        <p:xfrm>
+          <a:off x="261219" y="2147375"/>
+          <a:ext cx="794257" cy="1348417"/>
+        </p:xfrm>
+        <a:graphic>
+          <a:graphicData uri="http://schemas.openxmlformats.org/presentationml/2006/ole">
+            <mc:AlternateContent xmlns:mc="http://schemas.openxmlformats.org/markup-compatibility/2006">
+              <mc:Choice xmlns:v="urn:schemas-microsoft-com:vml" Requires="v">
+                <p:oleObj spid="_x0000_s1113" name="Equation" r:id="rId15" imgW="660240" imgH="1117440" progId="Equation.DSMT4">
+                  <p:embed/>
+                </p:oleObj>
+              </mc:Choice>
+              <mc:Fallback>
+                <p:oleObj name="Equation" r:id="rId15" imgW="660240" imgH="1117440" progId="Equation.DSMT4">
+                  <p:embed/>
+                  <p:pic>
+                    <p:nvPicPr>
+                      <p:cNvPr id="0" name=""/>
+                      <p:cNvPicPr>
+                        <a:picLocks noChangeAspect="1" noChangeArrowheads="1"/>
+                      </p:cNvPicPr>
+                      <p:nvPr/>
+                    </p:nvPicPr>
+                    <p:blipFill>
+                      <a:blip r:embed="rId16"/>
+                      <a:srcRect/>
+                      <a:stretch>
+                        <a:fillRect/>
+                      </a:stretch>
+                    </p:blipFill>
+                    <p:spPr bwMode="auto">
+                      <a:xfrm>
+                        <a:off x="261219" y="2147375"/>
+                        <a:ext cx="794257" cy="1348417"/>
+                      </a:xfrm>
+                      <a:prstGeom prst="rect">
+                        <a:avLst/>
+                      </a:prstGeom>
+                      <a:noFill/>
+                    </p:spPr>
+                  </p:pic>
+                </p:oleObj>
+              </mc:Fallback>
+            </mc:AlternateContent>
+          </a:graphicData>
+        </a:graphic>
+      </p:graphicFrame>
+      <p:graphicFrame>
+        <p:nvGraphicFramePr>
+          <p:cNvPr id="18" name="Object 17"/>
+          <p:cNvGraphicFramePr>
+            <a:graphicFrameLocks noChangeAspect="1"/>
+          </p:cNvGraphicFramePr>
+          <p:nvPr>
+            <p:extLst>
+              <p:ext uri="{D42A27DB-BD31-4B8C-83A1-F6EECF244321}">
+                <p14:modId xmlns:p14="http://schemas.microsoft.com/office/powerpoint/2010/main" val="3579593053"/>
+              </p:ext>
+            </p:extLst>
+          </p:nvPr>
+        </p:nvGraphicFramePr>
+        <p:xfrm>
+          <a:off x="1307091" y="2070373"/>
+          <a:ext cx="980997" cy="1502419"/>
+        </p:xfrm>
+        <a:graphic>
+          <a:graphicData uri="http://schemas.openxmlformats.org/presentationml/2006/ole">
+            <mc:AlternateContent xmlns:mc="http://schemas.openxmlformats.org/markup-compatibility/2006">
+              <mc:Choice xmlns:v="urn:schemas-microsoft-com:vml" Requires="v">
+                <p:oleObj spid="_x0000_s1114" name="Equation" r:id="rId17" imgW="749160" imgH="1143000" progId="Equation.DSMT4">
+                  <p:embed/>
+                </p:oleObj>
+              </mc:Choice>
+              <mc:Fallback>
+                <p:oleObj name="Equation" r:id="rId17" imgW="749160" imgH="1143000" progId="Equation.DSMT4">
+                  <p:embed/>
+                  <p:pic>
+                    <p:nvPicPr>
+                      <p:cNvPr id="0" name=""/>
+                      <p:cNvPicPr>
+                        <a:picLocks noChangeAspect="1" noChangeArrowheads="1"/>
+                      </p:cNvPicPr>
+                      <p:nvPr/>
+                    </p:nvPicPr>
+                    <p:blipFill>
+                      <a:blip r:embed="rId18"/>
+                      <a:srcRect/>
+                      <a:stretch>
+                        <a:fillRect/>
+                      </a:stretch>
+                    </p:blipFill>
+                    <p:spPr bwMode="auto">
+                      <a:xfrm>
+                        <a:off x="1307091" y="2070373"/>
+                        <a:ext cx="980997" cy="1502419"/>
+                      </a:xfrm>
+                      <a:prstGeom prst="rect">
+                        <a:avLst/>
+                      </a:prstGeom>
+                      <a:noFill/>
+                    </p:spPr>
+                  </p:pic>
+                </p:oleObj>
+              </mc:Fallback>
+            </mc:AlternateContent>
+          </a:graphicData>
+        </a:graphic>
+      </p:graphicFrame>
+      <p:graphicFrame>
+        <p:nvGraphicFramePr>
+          <p:cNvPr id="19" name="Object 18"/>
+          <p:cNvGraphicFramePr>
+            <a:graphicFrameLocks noChangeAspect="1"/>
+          </p:cNvGraphicFramePr>
+          <p:nvPr>
+            <p:extLst>
+              <p:ext uri="{D42A27DB-BD31-4B8C-83A1-F6EECF244321}">
+                <p14:modId xmlns:p14="http://schemas.microsoft.com/office/powerpoint/2010/main" val="17338865"/>
+              </p:ext>
+            </p:extLst>
+          </p:nvPr>
+        </p:nvGraphicFramePr>
+        <p:xfrm>
+          <a:off x="2374981" y="2070373"/>
+          <a:ext cx="2343965" cy="1502419"/>
+        </p:xfrm>
+        <a:graphic>
+          <a:graphicData uri="http://schemas.openxmlformats.org/presentationml/2006/ole">
+            <mc:AlternateContent xmlns:mc="http://schemas.openxmlformats.org/markup-compatibility/2006">
+              <mc:Choice xmlns:v="urn:schemas-microsoft-com:vml" Requires="v">
+                <p:oleObj spid="_x0000_s1115" name="Equation" r:id="rId19" imgW="1790640" imgH="1143000" progId="Equation.DSMT4">
+                  <p:embed/>
+                </p:oleObj>
+              </mc:Choice>
+              <mc:Fallback>
+                <p:oleObj name="Equation" r:id="rId19" imgW="1790640" imgH="1143000" progId="Equation.DSMT4">
+                  <p:embed/>
+                  <p:pic>
+                    <p:nvPicPr>
+                      <p:cNvPr id="0" name=""/>
+                      <p:cNvPicPr>
+                        <a:picLocks noChangeAspect="1" noChangeArrowheads="1"/>
+                      </p:cNvPicPr>
+                      <p:nvPr/>
+                    </p:nvPicPr>
+                    <p:blipFill>
+                      <a:blip r:embed="rId20"/>
+                      <a:srcRect/>
+                      <a:stretch>
+                        <a:fillRect/>
+                      </a:stretch>
+                    </p:blipFill>
+                    <p:spPr bwMode="auto">
+                      <a:xfrm>
+                        <a:off x="2374981" y="2070373"/>
+                        <a:ext cx="2343965" cy="1502419"/>
+                      </a:xfrm>
+                      <a:prstGeom prst="rect">
+                        <a:avLst/>
+                      </a:prstGeom>
+                      <a:noFill/>
+                    </p:spPr>
+                  </p:pic>
+                </p:oleObj>
+              </mc:Fallback>
+            </mc:AlternateContent>
+          </a:graphicData>
+        </a:graphic>
+      </p:graphicFrame>
+      <p:graphicFrame>
+        <p:nvGraphicFramePr>
+          <p:cNvPr id="20" name="Object 19"/>
+          <p:cNvGraphicFramePr>
+            <a:graphicFrameLocks noChangeAspect="1"/>
+          </p:cNvGraphicFramePr>
+          <p:nvPr>
+            <p:extLst>
+              <p:ext uri="{D42A27DB-BD31-4B8C-83A1-F6EECF244321}">
+                <p14:modId xmlns:p14="http://schemas.microsoft.com/office/powerpoint/2010/main" val="3696890785"/>
+              </p:ext>
+            </p:extLst>
+          </p:nvPr>
+        </p:nvGraphicFramePr>
+        <p:xfrm>
+          <a:off x="4712567" y="2071586"/>
+          <a:ext cx="948257" cy="1234432"/>
+        </p:xfrm>
+        <a:graphic>
+          <a:graphicData uri="http://schemas.openxmlformats.org/presentationml/2006/ole">
+            <mc:AlternateContent xmlns:mc="http://schemas.openxmlformats.org/markup-compatibility/2006">
+              <mc:Choice xmlns:v="urn:schemas-microsoft-com:vml" Requires="v">
+                <p:oleObj spid="_x0000_s1116" name="Equation" r:id="rId21" imgW="723600" imgH="939600" progId="Equation.DSMT4">
+                  <p:embed/>
+                </p:oleObj>
+              </mc:Choice>
+              <mc:Fallback>
+                <p:oleObj name="Equation" r:id="rId21" imgW="723600" imgH="939600" progId="Equation.DSMT4">
+                  <p:embed/>
+                  <p:pic>
+                    <p:nvPicPr>
+                      <p:cNvPr id="0" name=""/>
+                      <p:cNvPicPr>
+                        <a:picLocks noChangeAspect="1" noChangeArrowheads="1"/>
+                      </p:cNvPicPr>
+                      <p:nvPr/>
+                    </p:nvPicPr>
+                    <p:blipFill>
+                      <a:blip r:embed="rId22"/>
+                      <a:srcRect/>
+                      <a:stretch>
+                        <a:fillRect/>
+                      </a:stretch>
+                    </p:blipFill>
+                    <p:spPr bwMode="auto">
+                      <a:xfrm>
+                        <a:off x="4712567" y="2071586"/>
+                        <a:ext cx="948257" cy="1234432"/>
+                      </a:xfrm>
+                      <a:prstGeom prst="rect">
+                        <a:avLst/>
+                      </a:prstGeom>
+                      <a:noFill/>
+                    </p:spPr>
+                  </p:pic>
+                </p:oleObj>
+              </mc:Fallback>
+            </mc:AlternateContent>
+          </a:graphicData>
+        </a:graphic>
+      </p:graphicFrame>
+      <p:graphicFrame>
+        <p:nvGraphicFramePr>
+          <p:cNvPr id="11" name="Object 10"/>
+          <p:cNvGraphicFramePr>
+            <a:graphicFrameLocks noChangeAspect="1"/>
+          </p:cNvGraphicFramePr>
+          <p:nvPr>
+            <p:extLst>
+              <p:ext uri="{D42A27DB-BD31-4B8C-83A1-F6EECF244321}">
+                <p14:modId xmlns:p14="http://schemas.microsoft.com/office/powerpoint/2010/main" val="2603868853"/>
+              </p:ext>
+            </p:extLst>
+          </p:nvPr>
+        </p:nvGraphicFramePr>
+        <p:xfrm>
+          <a:off x="2180167" y="76508"/>
+          <a:ext cx="3996503" cy="561307"/>
+        </p:xfrm>
+        <a:graphic>
+          <a:graphicData uri="http://schemas.openxmlformats.org/presentationml/2006/ole">
+            <mc:AlternateContent xmlns:mc="http://schemas.openxmlformats.org/markup-compatibility/2006">
+              <mc:Choice xmlns:v="urn:schemas-microsoft-com:vml" Requires="v">
+                <p:oleObj spid="_x0000_s1117" name="Equation" r:id="rId23" imgW="1701720" imgH="241200" progId="Equation.DSMT4">
+                  <p:embed/>
+                </p:oleObj>
+              </mc:Choice>
+              <mc:Fallback>
+                <p:oleObj name="Equation" r:id="rId23" imgW="1701720" imgH="241200" progId="Equation.DSMT4">
+                  <p:embed/>
+                  <p:pic>
+                    <p:nvPicPr>
+                      <p:cNvPr id="0" name=""/>
+                      <p:cNvPicPr>
+                        <a:picLocks noChangeAspect="1" noChangeArrowheads="1"/>
+                      </p:cNvPicPr>
+                      <p:nvPr/>
+                    </p:nvPicPr>
+                    <p:blipFill>
+                      <a:blip r:embed="rId24"/>
+                      <a:srcRect/>
+                      <a:stretch>
+                        <a:fillRect/>
+                      </a:stretch>
+                    </p:blipFill>
+                    <p:spPr bwMode="auto">
+                      <a:xfrm>
+                        <a:off x="2180167" y="76508"/>
+                        <a:ext cx="3996503" cy="561307"/>
+                      </a:xfrm>
+                      <a:prstGeom prst="rect">
+                        <a:avLst/>
+                      </a:prstGeom>
+                      <a:noFill/>
+                    </p:spPr>
+                  </p:pic>
+                </p:oleObj>
+              </mc:Fallback>
+            </mc:AlternateContent>
+          </a:graphicData>
+        </a:graphic>
+      </p:graphicFrame>
       <p:grpSp>
         <p:nvGrpSpPr>
-          <p:cNvPr id="8" name="Group 7"/>
+          <p:cNvPr id="2" name="Group 1"/>
           <p:cNvGrpSpPr/>
           <p:nvPr/>
         </p:nvGrpSpPr>
         <p:grpSpPr>
           <a:xfrm>
-            <a:off x="252413" y="76508"/>
-            <a:ext cx="6513411" cy="3968442"/>
-            <a:chOff x="67052" y="633161"/>
-            <a:chExt cx="8527129" cy="5195344"/>
+            <a:off x="466577" y="3571324"/>
+            <a:ext cx="4168390" cy="1152128"/>
+            <a:chOff x="773758" y="3899379"/>
+            <a:chExt cx="4168390" cy="1152128"/>
           </a:xfrm>
         </p:grpSpPr>
-        <p:graphicFrame>
-          <p:nvGraphicFramePr>
-            <p:cNvPr id="9" name="Object 8"/>
-            <p:cNvGraphicFramePr>
-              <a:graphicFrameLocks noChangeAspect="1"/>
-            </p:cNvGraphicFramePr>
-            <p:nvPr>
-              <p:extLst>
-                <p:ext uri="{D42A27DB-BD31-4B8C-83A1-F6EECF244321}">
-                  <p14:modId xmlns:p14="http://schemas.microsoft.com/office/powerpoint/2010/main" val="2021487672"/>
-                </p:ext>
-              </p:extLst>
-            </p:nvPr>
-          </p:nvGraphicFramePr>
-          <p:xfrm>
-            <a:off x="76577" y="663175"/>
-            <a:ext cx="2133600" cy="830638"/>
-          </p:xfrm>
-          <a:graphic>
-            <a:graphicData uri="http://schemas.openxmlformats.org/presentationml/2006/ole">
-              <mc:AlternateContent xmlns:mc="http://schemas.openxmlformats.org/markup-compatibility/2006">
-                <mc:Choice xmlns:v="urn:schemas-microsoft-com:vml" Requires="v">
-                  <p:oleObj spid="_x0000_s1077" name="Equation" r:id="rId3" imgW="1244520" imgH="482400" progId="Equation.DSMT4">
-                    <p:embed/>
-                  </p:oleObj>
-                </mc:Choice>
-                <mc:Fallback>
-                  <p:oleObj name="Equation" r:id="rId3" imgW="1244520" imgH="482400" progId="Equation.DSMT4">
-                    <p:embed/>
-                    <p:pic>
-                      <p:nvPicPr>
-                        <p:cNvPr id="0" name=""/>
-                        <p:cNvPicPr>
-                          <a:picLocks noChangeAspect="1" noChangeArrowheads="1"/>
-                        </p:cNvPicPr>
-                        <p:nvPr/>
-                      </p:nvPicPr>
-                      <p:blipFill>
-                        <a:blip r:embed="rId4"/>
-                        <a:srcRect/>
-                        <a:stretch>
-                          <a:fillRect/>
-                        </a:stretch>
-                      </p:blipFill>
-                      <p:spPr bwMode="auto">
-                        <a:xfrm>
-                          <a:off x="76577" y="663175"/>
-                          <a:ext cx="2133600" cy="830638"/>
-                        </a:xfrm>
-                        <a:prstGeom prst="rect">
-                          <a:avLst/>
-                        </a:prstGeom>
-                        <a:noFill/>
-                      </p:spPr>
-                    </p:pic>
-                  </p:oleObj>
-                </mc:Fallback>
-              </mc:AlternateContent>
-            </a:graphicData>
-          </a:graphic>
-        </p:graphicFrame>
-        <p:grpSp>
-          <p:nvGrpSpPr>
-            <p:cNvPr id="10" name="Group 9"/>
-            <p:cNvGrpSpPr/>
+        <p:sp>
+          <p:nvSpPr>
+            <p:cNvPr id="21" name="TextBox 20"/>
+            <p:cNvSpPr txBox="1"/>
             <p:nvPr/>
-          </p:nvGrpSpPr>
-          <p:grpSpPr>
+          </p:nvSpPr>
+          <p:spPr>
             <a:xfrm>
-              <a:off x="67052" y="2012530"/>
-              <a:ext cx="8527129" cy="3815975"/>
-              <a:chOff x="67052" y="2012530"/>
-              <a:chExt cx="8527129" cy="3815975"/>
+              <a:off x="826768" y="3899379"/>
+              <a:ext cx="4115380" cy="390556"/>
             </a:xfrm>
-          </p:grpSpPr>
-          <p:graphicFrame>
-            <p:nvGraphicFramePr>
-              <p:cNvPr id="12" name="Object 11"/>
-              <p:cNvGraphicFramePr>
-                <a:graphicFrameLocks noChangeAspect="1"/>
-              </p:cNvGraphicFramePr>
-              <p:nvPr>
-                <p:extLst>
-                  <p:ext uri="{D42A27DB-BD31-4B8C-83A1-F6EECF244321}">
-                    <p14:modId xmlns:p14="http://schemas.microsoft.com/office/powerpoint/2010/main" val="2033687604"/>
-                  </p:ext>
-                </p:extLst>
-              </p:nvPr>
-            </p:nvGraphicFramePr>
-            <p:xfrm>
-              <a:off x="7417843" y="3861592"/>
-              <a:ext cx="1176338" cy="1617663"/>
-            </p:xfrm>
-            <a:graphic>
-              <a:graphicData uri="http://schemas.openxmlformats.org/presentationml/2006/ole">
-                <mc:AlternateContent xmlns:mc="http://schemas.openxmlformats.org/markup-compatibility/2006">
-                  <mc:Choice xmlns:v="urn:schemas-microsoft-com:vml" Requires="v">
-                    <p:oleObj spid="_x0000_s1078" name="Equation" r:id="rId5" imgW="685800" imgH="939600" progId="Equation.DSMT4">
-                      <p:embed/>
-                    </p:oleObj>
-                  </mc:Choice>
-                  <mc:Fallback>
-                    <p:oleObj name="Equation" r:id="rId5" imgW="685800" imgH="939600" progId="Equation.DSMT4">
-                      <p:embed/>
-                      <p:pic>
-                        <p:nvPicPr>
-                          <p:cNvPr id="0" name=""/>
-                          <p:cNvPicPr>
-                            <a:picLocks noChangeAspect="1" noChangeArrowheads="1"/>
-                          </p:cNvPicPr>
-                          <p:nvPr/>
-                        </p:nvPicPr>
-                        <p:blipFill>
-                          <a:blip r:embed="rId6"/>
-                          <a:srcRect/>
-                          <a:stretch>
-                            <a:fillRect/>
-                          </a:stretch>
-                        </p:blipFill>
-                        <p:spPr bwMode="auto">
-                          <a:xfrm>
-                            <a:off x="7417843" y="3861592"/>
-                            <a:ext cx="1176338" cy="1617663"/>
-                          </a:xfrm>
-                          <a:prstGeom prst="rect">
-                            <a:avLst/>
-                          </a:prstGeom>
-                          <a:noFill/>
-                        </p:spPr>
-                      </p:pic>
-                    </p:oleObj>
-                  </mc:Fallback>
-                </mc:AlternateContent>
-              </a:graphicData>
-            </a:graphic>
-          </p:graphicFrame>
-          <p:graphicFrame>
-            <p:nvGraphicFramePr>
-              <p:cNvPr id="13" name="Object 12"/>
-              <p:cNvGraphicFramePr>
-                <a:graphicFrameLocks noChangeAspect="1"/>
-              </p:cNvGraphicFramePr>
-              <p:nvPr>
-                <p:extLst>
-                  <p:ext uri="{D42A27DB-BD31-4B8C-83A1-F6EECF244321}">
-                    <p14:modId xmlns:p14="http://schemas.microsoft.com/office/powerpoint/2010/main" val="1526995234"/>
-                  </p:ext>
-                </p:extLst>
-              </p:nvPr>
-            </p:nvGraphicFramePr>
-            <p:xfrm>
-              <a:off x="67052" y="2014117"/>
-              <a:ext cx="1038225" cy="1763713"/>
-            </p:xfrm>
-            <a:graphic>
-              <a:graphicData uri="http://schemas.openxmlformats.org/presentationml/2006/ole">
-                <mc:AlternateContent xmlns:mc="http://schemas.openxmlformats.org/markup-compatibility/2006">
-                  <mc:Choice xmlns:v="urn:schemas-microsoft-com:vml" Requires="v">
-                    <p:oleObj spid="_x0000_s1079" name="Equation" r:id="rId7" imgW="660240" imgH="1117440" progId="Equation.DSMT4">
-                      <p:embed/>
-                    </p:oleObj>
-                  </mc:Choice>
-                  <mc:Fallback>
-                    <p:oleObj name="Equation" r:id="rId7" imgW="660240" imgH="1117440" progId="Equation.DSMT4">
-                      <p:embed/>
-                      <p:pic>
-                        <p:nvPicPr>
-                          <p:cNvPr id="0" name=""/>
-                          <p:cNvPicPr>
-                            <a:picLocks noChangeAspect="1" noChangeArrowheads="1"/>
-                          </p:cNvPicPr>
-                          <p:nvPr/>
-                        </p:nvPicPr>
-                        <p:blipFill>
-                          <a:blip r:embed="rId8"/>
-                          <a:srcRect/>
-                          <a:stretch>
-                            <a:fillRect/>
-                          </a:stretch>
-                        </p:blipFill>
-                        <p:spPr bwMode="auto">
-                          <a:xfrm>
-                            <a:off x="67052" y="2014117"/>
-                            <a:ext cx="1038225" cy="1763713"/>
-                          </a:xfrm>
-                          <a:prstGeom prst="rect">
-                            <a:avLst/>
-                          </a:prstGeom>
-                          <a:noFill/>
-                        </p:spPr>
-                      </p:pic>
-                    </p:oleObj>
-                  </mc:Fallback>
-                </mc:AlternateContent>
-              </a:graphicData>
-            </a:graphic>
-          </p:graphicFrame>
-          <p:graphicFrame>
-            <p:nvGraphicFramePr>
-              <p:cNvPr id="14" name="Object 13"/>
-              <p:cNvGraphicFramePr>
-                <a:graphicFrameLocks noChangeAspect="1"/>
-              </p:cNvGraphicFramePr>
-              <p:nvPr>
-                <p:extLst>
-                  <p:ext uri="{D42A27DB-BD31-4B8C-83A1-F6EECF244321}">
-                    <p14:modId xmlns:p14="http://schemas.microsoft.com/office/powerpoint/2010/main" val="1345431403"/>
-                  </p:ext>
-                </p:extLst>
-              </p:nvPr>
-            </p:nvGraphicFramePr>
-            <p:xfrm>
-              <a:off x="1338889" y="2013152"/>
-              <a:ext cx="3036395" cy="1444418"/>
-            </p:xfrm>
-            <a:graphic>
-              <a:graphicData uri="http://schemas.openxmlformats.org/presentationml/2006/ole">
-                <mc:AlternateContent xmlns:mc="http://schemas.openxmlformats.org/markup-compatibility/2006">
-                  <mc:Choice xmlns:v="urn:schemas-microsoft-com:vml" Requires="v">
-                    <p:oleObj spid="_x0000_s1080" name="Equation" r:id="rId9" imgW="1930320" imgH="914400" progId="Equation.DSMT4">
-                      <p:embed/>
-                    </p:oleObj>
-                  </mc:Choice>
-                  <mc:Fallback>
-                    <p:oleObj name="Equation" r:id="rId9" imgW="1930320" imgH="914400" progId="Equation.DSMT4">
-                      <p:embed/>
-                      <p:pic>
-                        <p:nvPicPr>
-                          <p:cNvPr id="0" name=""/>
-                          <p:cNvPicPr>
-                            <a:picLocks noChangeAspect="1" noChangeArrowheads="1"/>
-                          </p:cNvPicPr>
-                          <p:nvPr/>
-                        </p:nvPicPr>
-                        <p:blipFill>
-                          <a:blip r:embed="rId10"/>
-                          <a:srcRect/>
-                          <a:stretch>
-                            <a:fillRect/>
-                          </a:stretch>
-                        </p:blipFill>
-                        <p:spPr bwMode="auto">
-                          <a:xfrm>
-                            <a:off x="1338889" y="2013152"/>
-                            <a:ext cx="3036395" cy="1444418"/>
-                          </a:xfrm>
-                          <a:prstGeom prst="rect">
-                            <a:avLst/>
-                          </a:prstGeom>
-                          <a:noFill/>
-                        </p:spPr>
-                      </p:pic>
-                    </p:oleObj>
-                  </mc:Fallback>
-                </mc:AlternateContent>
-              </a:graphicData>
-            </a:graphic>
-          </p:graphicFrame>
-          <p:graphicFrame>
-            <p:nvGraphicFramePr>
-              <p:cNvPr id="15" name="Object 14"/>
-              <p:cNvGraphicFramePr>
-                <a:graphicFrameLocks noChangeAspect="1"/>
-              </p:cNvGraphicFramePr>
-              <p:nvPr>
-                <p:extLst>
-                  <p:ext uri="{D42A27DB-BD31-4B8C-83A1-F6EECF244321}">
-                    <p14:modId xmlns:p14="http://schemas.microsoft.com/office/powerpoint/2010/main" val="3128894310"/>
-                  </p:ext>
-                </p:extLst>
-              </p:nvPr>
-            </p:nvGraphicFramePr>
-            <p:xfrm>
-              <a:off x="4519451" y="2012530"/>
-              <a:ext cx="1039813" cy="1765300"/>
-            </p:xfrm>
-            <a:graphic>
-              <a:graphicData uri="http://schemas.openxmlformats.org/presentationml/2006/ole">
-                <mc:AlternateContent xmlns:mc="http://schemas.openxmlformats.org/markup-compatibility/2006">
-                  <mc:Choice xmlns:v="urn:schemas-microsoft-com:vml" Requires="v">
-                    <p:oleObj spid="_x0000_s1081" name="Equation" r:id="rId11" imgW="660240" imgH="1117440" progId="Equation.DSMT4">
-                      <p:embed/>
-                    </p:oleObj>
-                  </mc:Choice>
-                  <mc:Fallback>
-                    <p:oleObj name="Equation" r:id="rId11" imgW="660240" imgH="1117440" progId="Equation.DSMT4">
-                      <p:embed/>
-                      <p:pic>
-                        <p:nvPicPr>
-                          <p:cNvPr id="0" name=""/>
-                          <p:cNvPicPr>
-                            <a:picLocks noChangeAspect="1" noChangeArrowheads="1"/>
-                          </p:cNvPicPr>
-                          <p:nvPr/>
-                        </p:nvPicPr>
-                        <p:blipFill>
-                          <a:blip r:embed="rId12"/>
-                          <a:srcRect/>
-                          <a:stretch>
-                            <a:fillRect/>
-                          </a:stretch>
-                        </p:blipFill>
-                        <p:spPr bwMode="auto">
-                          <a:xfrm>
-                            <a:off x="4519451" y="2012530"/>
-                            <a:ext cx="1039813" cy="1765300"/>
-                          </a:xfrm>
-                          <a:prstGeom prst="rect">
-                            <a:avLst/>
-                          </a:prstGeom>
-                          <a:noFill/>
-                        </p:spPr>
-                      </p:pic>
-                    </p:oleObj>
-                  </mc:Fallback>
-                </mc:AlternateContent>
-              </a:graphicData>
-            </a:graphic>
-          </p:graphicFrame>
-          <p:graphicFrame>
-            <p:nvGraphicFramePr>
-              <p:cNvPr id="16" name="Object 15"/>
-              <p:cNvGraphicFramePr>
-                <a:graphicFrameLocks noChangeAspect="1"/>
-              </p:cNvGraphicFramePr>
-              <p:nvPr>
-                <p:extLst>
-                  <p:ext uri="{D42A27DB-BD31-4B8C-83A1-F6EECF244321}">
-                    <p14:modId xmlns:p14="http://schemas.microsoft.com/office/powerpoint/2010/main" val="3907950839"/>
-                  </p:ext>
-                </p:extLst>
-              </p:nvPr>
-            </p:nvGraphicFramePr>
-            <p:xfrm>
-              <a:off x="5926819" y="2017466"/>
-              <a:ext cx="998538" cy="1482724"/>
-            </p:xfrm>
-            <a:graphic>
-              <a:graphicData uri="http://schemas.openxmlformats.org/presentationml/2006/ole">
-                <mc:AlternateContent xmlns:mc="http://schemas.openxmlformats.org/markup-compatibility/2006">
-                  <mc:Choice xmlns:v="urn:schemas-microsoft-com:vml" Requires="v">
-                    <p:oleObj spid="_x0000_s1082" name="Equation" r:id="rId13" imgW="634680" imgH="939600" progId="Equation.DSMT4">
-                      <p:embed/>
-                    </p:oleObj>
-                  </mc:Choice>
-                  <mc:Fallback>
-                    <p:oleObj name="Equation" r:id="rId13" imgW="634680" imgH="939600" progId="Equation.DSMT4">
-                      <p:embed/>
-                      <p:pic>
-                        <p:nvPicPr>
-                          <p:cNvPr id="0" name=""/>
-                          <p:cNvPicPr>
-                            <a:picLocks noChangeAspect="1" noChangeArrowheads="1"/>
-                          </p:cNvPicPr>
-                          <p:nvPr/>
-                        </p:nvPicPr>
-                        <p:blipFill>
-                          <a:blip r:embed="rId14"/>
-                          <a:srcRect/>
-                          <a:stretch>
-                            <a:fillRect/>
-                          </a:stretch>
-                        </p:blipFill>
-                        <p:spPr bwMode="auto">
-                          <a:xfrm>
-                            <a:off x="5926819" y="2017466"/>
-                            <a:ext cx="998538" cy="1482724"/>
-                          </a:xfrm>
-                          <a:prstGeom prst="rect">
-                            <a:avLst/>
-                          </a:prstGeom>
-                          <a:noFill/>
-                        </p:spPr>
-                      </p:pic>
-                    </p:oleObj>
-                  </mc:Fallback>
-                </mc:AlternateContent>
-              </a:graphicData>
-            </a:graphic>
-          </p:graphicFrame>
-          <p:graphicFrame>
-            <p:nvGraphicFramePr>
-              <p:cNvPr id="17" name="Object 16"/>
-              <p:cNvGraphicFramePr>
-                <a:graphicFrameLocks noChangeAspect="1"/>
-              </p:cNvGraphicFramePr>
-              <p:nvPr>
-                <p:extLst>
-                  <p:ext uri="{D42A27DB-BD31-4B8C-83A1-F6EECF244321}">
-                    <p14:modId xmlns:p14="http://schemas.microsoft.com/office/powerpoint/2010/main" val="864342723"/>
-                  </p:ext>
-                </p:extLst>
-              </p:nvPr>
-            </p:nvGraphicFramePr>
-            <p:xfrm>
-              <a:off x="78581" y="3962400"/>
-              <a:ext cx="1039813" cy="1765300"/>
-            </p:xfrm>
-            <a:graphic>
-              <a:graphicData uri="http://schemas.openxmlformats.org/presentationml/2006/ole">
-                <mc:AlternateContent xmlns:mc="http://schemas.openxmlformats.org/markup-compatibility/2006">
-                  <mc:Choice xmlns:v="urn:schemas-microsoft-com:vml" Requires="v">
-                    <p:oleObj spid="_x0000_s1083" name="Equation" r:id="rId15" imgW="660240" imgH="1117440" progId="Equation.DSMT4">
-                      <p:embed/>
-                    </p:oleObj>
-                  </mc:Choice>
-                  <mc:Fallback>
-                    <p:oleObj name="Equation" r:id="rId15" imgW="660240" imgH="1117440" progId="Equation.DSMT4">
-                      <p:embed/>
-                      <p:pic>
-                        <p:nvPicPr>
-                          <p:cNvPr id="0" name=""/>
-                          <p:cNvPicPr>
-                            <a:picLocks noChangeAspect="1" noChangeArrowheads="1"/>
-                          </p:cNvPicPr>
-                          <p:nvPr/>
-                        </p:nvPicPr>
-                        <p:blipFill>
-                          <a:blip r:embed="rId16"/>
-                          <a:srcRect/>
-                          <a:stretch>
-                            <a:fillRect/>
-                          </a:stretch>
-                        </p:blipFill>
-                        <p:spPr bwMode="auto">
-                          <a:xfrm>
-                            <a:off x="78581" y="3962400"/>
-                            <a:ext cx="1039813" cy="1765300"/>
-                          </a:xfrm>
-                          <a:prstGeom prst="rect">
-                            <a:avLst/>
-                          </a:prstGeom>
-                          <a:noFill/>
-                        </p:spPr>
-                      </p:pic>
-                    </p:oleObj>
-                  </mc:Fallback>
-                </mc:AlternateContent>
-              </a:graphicData>
-            </a:graphic>
-          </p:graphicFrame>
-          <p:graphicFrame>
-            <p:nvGraphicFramePr>
-              <p:cNvPr id="18" name="Object 17"/>
-              <p:cNvGraphicFramePr>
-                <a:graphicFrameLocks noChangeAspect="1"/>
-              </p:cNvGraphicFramePr>
-              <p:nvPr>
-                <p:extLst>
-                  <p:ext uri="{D42A27DB-BD31-4B8C-83A1-F6EECF244321}">
-                    <p14:modId xmlns:p14="http://schemas.microsoft.com/office/powerpoint/2010/main" val="3196479349"/>
-                  </p:ext>
-                </p:extLst>
-              </p:nvPr>
-            </p:nvGraphicFramePr>
-            <p:xfrm>
-              <a:off x="1447800" y="3861592"/>
-              <a:ext cx="1284287" cy="1966913"/>
-            </p:xfrm>
-            <a:graphic>
-              <a:graphicData uri="http://schemas.openxmlformats.org/presentationml/2006/ole">
-                <mc:AlternateContent xmlns:mc="http://schemas.openxmlformats.org/markup-compatibility/2006">
-                  <mc:Choice xmlns:v="urn:schemas-microsoft-com:vml" Requires="v">
-                    <p:oleObj spid="_x0000_s1084" name="Equation" r:id="rId17" imgW="749160" imgH="1143000" progId="Equation.DSMT4">
-                      <p:embed/>
-                    </p:oleObj>
-                  </mc:Choice>
-                  <mc:Fallback>
-                    <p:oleObj name="Equation" r:id="rId17" imgW="749160" imgH="1143000" progId="Equation.DSMT4">
-                      <p:embed/>
-                      <p:pic>
-                        <p:nvPicPr>
-                          <p:cNvPr id="0" name=""/>
-                          <p:cNvPicPr>
-                            <a:picLocks noChangeAspect="1" noChangeArrowheads="1"/>
-                          </p:cNvPicPr>
-                          <p:nvPr/>
-                        </p:nvPicPr>
-                        <p:blipFill>
-                          <a:blip r:embed="rId18"/>
-                          <a:srcRect/>
-                          <a:stretch>
-                            <a:fillRect/>
-                          </a:stretch>
-                        </p:blipFill>
-                        <p:spPr bwMode="auto">
-                          <a:xfrm>
-                            <a:off x="1447800" y="3861592"/>
-                            <a:ext cx="1284287" cy="1966913"/>
-                          </a:xfrm>
-                          <a:prstGeom prst="rect">
-                            <a:avLst/>
-                          </a:prstGeom>
-                          <a:noFill/>
-                        </p:spPr>
-                      </p:pic>
-                    </p:oleObj>
-                  </mc:Fallback>
-                </mc:AlternateContent>
-              </a:graphicData>
-            </a:graphic>
-          </p:graphicFrame>
-          <p:graphicFrame>
-            <p:nvGraphicFramePr>
-              <p:cNvPr id="19" name="Object 18"/>
-              <p:cNvGraphicFramePr>
-                <a:graphicFrameLocks noChangeAspect="1"/>
-              </p:cNvGraphicFramePr>
-              <p:nvPr>
-                <p:extLst>
-                  <p:ext uri="{D42A27DB-BD31-4B8C-83A1-F6EECF244321}">
-                    <p14:modId xmlns:p14="http://schemas.microsoft.com/office/powerpoint/2010/main" val="1565192074"/>
-                  </p:ext>
-                </p:extLst>
-              </p:nvPr>
-            </p:nvGraphicFramePr>
-            <p:xfrm>
-              <a:off x="2845843" y="3861592"/>
-              <a:ext cx="3068637" cy="1966913"/>
-            </p:xfrm>
-            <a:graphic>
-              <a:graphicData uri="http://schemas.openxmlformats.org/presentationml/2006/ole">
-                <mc:AlternateContent xmlns:mc="http://schemas.openxmlformats.org/markup-compatibility/2006">
-                  <mc:Choice xmlns:v="urn:schemas-microsoft-com:vml" Requires="v">
-                    <p:oleObj spid="_x0000_s1085" name="Equation" r:id="rId19" imgW="1790640" imgH="1143000" progId="Equation.DSMT4">
-                      <p:embed/>
-                    </p:oleObj>
-                  </mc:Choice>
-                  <mc:Fallback>
-                    <p:oleObj name="Equation" r:id="rId19" imgW="1790640" imgH="1143000" progId="Equation.DSMT4">
-                      <p:embed/>
-                      <p:pic>
-                        <p:nvPicPr>
-                          <p:cNvPr id="0" name=""/>
-                          <p:cNvPicPr>
-                            <a:picLocks noChangeAspect="1" noChangeArrowheads="1"/>
-                          </p:cNvPicPr>
-                          <p:nvPr/>
-                        </p:nvPicPr>
-                        <p:blipFill>
-                          <a:blip r:embed="rId20"/>
-                          <a:srcRect/>
-                          <a:stretch>
-                            <a:fillRect/>
-                          </a:stretch>
-                        </p:blipFill>
-                        <p:spPr bwMode="auto">
-                          <a:xfrm>
-                            <a:off x="2845843" y="3861592"/>
-                            <a:ext cx="3068637" cy="1966913"/>
-                          </a:xfrm>
-                          <a:prstGeom prst="rect">
-                            <a:avLst/>
-                          </a:prstGeom>
-                          <a:noFill/>
-                        </p:spPr>
-                      </p:pic>
-                    </p:oleObj>
-                  </mc:Fallback>
-                </mc:AlternateContent>
-              </a:graphicData>
-            </a:graphic>
-          </p:graphicFrame>
-          <p:graphicFrame>
-            <p:nvGraphicFramePr>
-              <p:cNvPr id="20" name="Object 19"/>
-              <p:cNvGraphicFramePr>
-                <a:graphicFrameLocks noChangeAspect="1"/>
-              </p:cNvGraphicFramePr>
-              <p:nvPr>
-                <p:extLst>
-                  <p:ext uri="{D42A27DB-BD31-4B8C-83A1-F6EECF244321}">
-                    <p14:modId xmlns:p14="http://schemas.microsoft.com/office/powerpoint/2010/main" val="1887633632"/>
-                  </p:ext>
-                </p:extLst>
-              </p:nvPr>
-            </p:nvGraphicFramePr>
-            <p:xfrm>
-              <a:off x="5906129" y="3863180"/>
-              <a:ext cx="1241425" cy="1616075"/>
-            </p:xfrm>
-            <a:graphic>
-              <a:graphicData uri="http://schemas.openxmlformats.org/presentationml/2006/ole">
-                <mc:AlternateContent xmlns:mc="http://schemas.openxmlformats.org/markup-compatibility/2006">
-                  <mc:Choice xmlns:v="urn:schemas-microsoft-com:vml" Requires="v">
-                    <p:oleObj spid="_x0000_s1086" name="Equation" r:id="rId21" imgW="723600" imgH="939600" progId="Equation.DSMT4">
-                      <p:embed/>
-                    </p:oleObj>
-                  </mc:Choice>
-                  <mc:Fallback>
-                    <p:oleObj name="Equation" r:id="rId21" imgW="723600" imgH="939600" progId="Equation.DSMT4">
-                      <p:embed/>
-                      <p:pic>
-                        <p:nvPicPr>
-                          <p:cNvPr id="0" name=""/>
-                          <p:cNvPicPr>
-                            <a:picLocks noChangeAspect="1" noChangeArrowheads="1"/>
-                          </p:cNvPicPr>
-                          <p:nvPr/>
-                        </p:nvPicPr>
-                        <p:blipFill>
-                          <a:blip r:embed="rId22"/>
-                          <a:srcRect/>
-                          <a:stretch>
-                            <a:fillRect/>
-                          </a:stretch>
-                        </p:blipFill>
-                        <p:spPr bwMode="auto">
-                          <a:xfrm>
-                            <a:off x="5906129" y="3863180"/>
-                            <a:ext cx="1241425" cy="1616075"/>
-                          </a:xfrm>
-                          <a:prstGeom prst="rect">
-                            <a:avLst/>
-                          </a:prstGeom>
-                          <a:noFill/>
-                        </p:spPr>
-                      </p:pic>
-                    </p:oleObj>
-                  </mc:Fallback>
-                </mc:AlternateContent>
-              </a:graphicData>
-            </a:graphic>
-          </p:graphicFrame>
-        </p:grpSp>
-        <p:graphicFrame>
-          <p:nvGraphicFramePr>
-            <p:cNvPr id="11" name="Object 10"/>
-            <p:cNvGraphicFramePr>
-              <a:graphicFrameLocks noChangeAspect="1"/>
-            </p:cNvGraphicFramePr>
-            <p:nvPr>
-              <p:extLst>
-                <p:ext uri="{D42A27DB-BD31-4B8C-83A1-F6EECF244321}">
-                  <p14:modId xmlns:p14="http://schemas.microsoft.com/office/powerpoint/2010/main" val="2603868853"/>
-                </p:ext>
-              </p:extLst>
-            </p:nvPr>
-          </p:nvGraphicFramePr>
-          <p:xfrm>
-            <a:off x="2590800" y="633161"/>
-            <a:ext cx="5232081" cy="734843"/>
-          </p:xfrm>
-          <a:graphic>
-            <a:graphicData uri="http://schemas.openxmlformats.org/presentationml/2006/ole">
-              <mc:AlternateContent xmlns:mc="http://schemas.openxmlformats.org/markup-compatibility/2006">
-                <mc:Choice xmlns:v="urn:schemas-microsoft-com:vml" Requires="v">
-                  <p:oleObj spid="_x0000_s1087" name="Equation" r:id="rId23" imgW="1701720" imgH="241200" progId="Equation.DSMT4">
-                    <p:embed/>
-                  </p:oleObj>
-                </mc:Choice>
-                <mc:Fallback>
-                  <p:oleObj name="Equation" r:id="rId23" imgW="1701720" imgH="241200" progId="Equation.DSMT4">
-                    <p:embed/>
-                    <p:pic>
-                      <p:nvPicPr>
-                        <p:cNvPr id="0" name=""/>
-                        <p:cNvPicPr>
-                          <a:picLocks noChangeAspect="1" noChangeArrowheads="1"/>
-                        </p:cNvPicPr>
-                        <p:nvPr/>
-                      </p:nvPicPr>
-                      <p:blipFill>
-                        <a:blip r:embed="rId24"/>
-                        <a:srcRect/>
-                        <a:stretch>
-                          <a:fillRect/>
-                        </a:stretch>
-                      </p:blipFill>
-                      <p:spPr bwMode="auto">
-                        <a:xfrm>
-                          <a:off x="2590800" y="633161"/>
-                          <a:ext cx="5232081" cy="734843"/>
-                        </a:xfrm>
-                        <a:prstGeom prst="rect">
-                          <a:avLst/>
-                        </a:prstGeom>
-                        <a:noFill/>
-                      </p:spPr>
-                    </p:pic>
-                  </p:oleObj>
-                </mc:Fallback>
-              </mc:AlternateContent>
-            </a:graphicData>
-          </a:graphic>
-        </p:graphicFrame>
-      </p:grpSp>
-      <p:sp>
-        <p:nvSpPr>
-          <p:cNvPr id="21" name="TextBox 20"/>
-          <p:cNvSpPr txBox="1"/>
-          <p:nvPr/>
-        </p:nvSpPr>
-        <p:spPr>
-          <a:xfrm>
-            <a:off x="826768" y="3899379"/>
-            <a:ext cx="4115380" cy="390556"/>
-          </a:xfrm>
-          <a:prstGeom prst="rect">
-            <a:avLst/>
-          </a:prstGeom>
-          <a:noFill/>
-        </p:spPr>
-        <p:txBody>
-          <a:bodyPr wrap="square" rtlCol="0">
-            <a:spAutoFit/>
-          </a:bodyPr>
-          <a:lstStyle/>
-          <a:p>
-            <a:r>
-              <a:rPr lang="en-US" dirty="0" smtClean="0"/>
-              <a:t>Bollen &amp; Curran (2006)</a:t>
-            </a:r>
-            <a:endParaRPr lang="en-US" dirty="0"/>
-          </a:p>
-        </p:txBody>
-      </p:sp>
-      <p:sp>
-        <p:nvSpPr>
-          <p:cNvPr id="22" name="TextBox 21"/>
-          <p:cNvSpPr txBox="1"/>
-          <p:nvPr/>
-        </p:nvSpPr>
-        <p:spPr>
-          <a:xfrm>
-            <a:off x="826768" y="4516935"/>
-            <a:ext cx="4115380" cy="390556"/>
-          </a:xfrm>
-          <a:prstGeom prst="rect">
-            <a:avLst/>
-          </a:prstGeom>
-          <a:noFill/>
-        </p:spPr>
-        <p:txBody>
-          <a:bodyPr wrap="square" rtlCol="0">
-            <a:spAutoFit/>
-          </a:bodyPr>
-          <a:lstStyle/>
-          <a:p>
-            <a:r>
-              <a:rPr lang="en-US" dirty="0" smtClean="0"/>
-              <a:t>Snijders &amp; Bosker (2011)</a:t>
-            </a:r>
-            <a:endParaRPr lang="en-US" dirty="0"/>
-          </a:p>
-        </p:txBody>
-      </p:sp>
-      <p:cxnSp>
-        <p:nvCxnSpPr>
-          <p:cNvPr id="23" name="Straight Arrow Connector 22"/>
-          <p:cNvCxnSpPr/>
-          <p:nvPr/>
-        </p:nvCxnSpPr>
-        <p:spPr>
-          <a:xfrm flipV="1">
-            <a:off x="773758" y="3947873"/>
-            <a:ext cx="0" cy="537160"/>
-          </a:xfrm>
-          <a:prstGeom prst="straightConnector1">
-            <a:avLst/>
-          </a:prstGeom>
-          <a:ln>
-            <a:tailEnd type="triangle"/>
-          </a:ln>
-        </p:spPr>
-        <p:style>
-          <a:lnRef idx="1">
-            <a:schemeClr val="dk1"/>
-          </a:lnRef>
-          <a:fillRef idx="0">
-            <a:schemeClr val="dk1"/>
-          </a:fillRef>
-          <a:effectRef idx="0">
-            <a:schemeClr val="dk1"/>
-          </a:effectRef>
-          <a:fontRef idx="minor">
-            <a:schemeClr val="tx1"/>
-          </a:fontRef>
-        </p:style>
-      </p:cxnSp>
-      <p:cxnSp>
-        <p:nvCxnSpPr>
-          <p:cNvPr id="24" name="Straight Arrow Connector 23"/>
-          <p:cNvCxnSpPr/>
-          <p:nvPr/>
-        </p:nvCxnSpPr>
-        <p:spPr>
-          <a:xfrm>
-            <a:off x="773758" y="4590020"/>
-            <a:ext cx="0" cy="461487"/>
-          </a:xfrm>
-          <a:prstGeom prst="straightConnector1">
-            <a:avLst/>
-          </a:prstGeom>
-          <a:ln>
-            <a:tailEnd type="triangle"/>
-          </a:ln>
-        </p:spPr>
-        <p:style>
-          <a:lnRef idx="1">
-            <a:schemeClr val="dk1"/>
-          </a:lnRef>
-          <a:fillRef idx="0">
-            <a:schemeClr val="dk1"/>
-          </a:fillRef>
-          <a:effectRef idx="0">
-            <a:schemeClr val="dk1"/>
-          </a:effectRef>
-          <a:fontRef idx="minor">
-            <a:schemeClr val="tx1"/>
-          </a:fontRef>
-        </p:style>
-      </p:cxnSp>
-      <p:grpSp>
-        <p:nvGrpSpPr>
-          <p:cNvPr id="25" name="Group 24"/>
-          <p:cNvGrpSpPr/>
-          <p:nvPr/>
-        </p:nvGrpSpPr>
-        <p:grpSpPr>
-          <a:xfrm>
-            <a:off x="3960645" y="3798565"/>
-            <a:ext cx="3593982" cy="1238564"/>
-            <a:chOff x="4025087" y="3913775"/>
-            <a:chExt cx="3593982" cy="1238564"/>
-          </a:xfrm>
-        </p:grpSpPr>
-        <p:graphicFrame>
-          <p:nvGraphicFramePr>
-            <p:cNvPr id="26" name="Object 25"/>
-            <p:cNvGraphicFramePr>
-              <a:graphicFrameLocks noChangeAspect="1"/>
-            </p:cNvGraphicFramePr>
-            <p:nvPr>
-              <p:extLst>
-                <p:ext uri="{D42A27DB-BD31-4B8C-83A1-F6EECF244321}">
-                  <p14:modId xmlns:p14="http://schemas.microsoft.com/office/powerpoint/2010/main" val="3101928971"/>
-                </p:ext>
-              </p:extLst>
-            </p:nvPr>
-          </p:nvGraphicFramePr>
-          <p:xfrm>
-            <a:off x="4025087" y="3913775"/>
-            <a:ext cx="3593982" cy="1238564"/>
-          </p:xfrm>
-          <a:graphic>
-            <a:graphicData uri="http://schemas.openxmlformats.org/presentationml/2006/ole">
-              <mc:AlternateContent xmlns:mc="http://schemas.openxmlformats.org/markup-compatibility/2006">
-                <mc:Choice xmlns:v="urn:schemas-microsoft-com:vml" Requires="v">
-                  <p:oleObj spid="_x0000_s1088" name="Equation" r:id="rId25" imgW="2908080" imgH="1041120" progId="Equation.DSMT4">
-                    <p:embed/>
-                  </p:oleObj>
-                </mc:Choice>
-                <mc:Fallback>
-                  <p:oleObj name="Equation" r:id="rId25" imgW="2908080" imgH="1041120" progId="Equation.DSMT4">
-                    <p:embed/>
-                    <p:pic>
-                      <p:nvPicPr>
-                        <p:cNvPr id="0" name=""/>
-                        <p:cNvPicPr>
-                          <a:picLocks noChangeAspect="1" noChangeArrowheads="1"/>
-                        </p:cNvPicPr>
-                        <p:nvPr/>
-                      </p:nvPicPr>
-                      <p:blipFill>
-                        <a:blip r:embed="rId26"/>
-                        <a:srcRect/>
-                        <a:stretch>
-                          <a:fillRect/>
-                        </a:stretch>
-                      </p:blipFill>
-                      <p:spPr bwMode="auto">
-                        <a:xfrm>
-                          <a:off x="4025087" y="3913775"/>
-                          <a:ext cx="3593982" cy="1238564"/>
-                        </a:xfrm>
-                        <a:prstGeom prst="rect">
-                          <a:avLst/>
-                        </a:prstGeom>
-                        <a:noFill/>
-                      </p:spPr>
-                    </p:pic>
-                  </p:oleObj>
-                </mc:Fallback>
-              </mc:AlternateContent>
-            </a:graphicData>
-          </a:graphic>
-        </p:graphicFrame>
+            <a:prstGeom prst="rect">
+              <a:avLst/>
+            </a:prstGeom>
+            <a:noFill/>
+          </p:spPr>
+          <p:txBody>
+            <a:bodyPr wrap="square" rtlCol="0">
+              <a:spAutoFit/>
+            </a:bodyPr>
+            <a:lstStyle/>
+            <a:p>
+              <a:r>
+                <a:rPr lang="en-US" dirty="0" smtClean="0"/>
+                <a:t>Bollen &amp; Curran (2006)</a:t>
+              </a:r>
+              <a:endParaRPr lang="en-US" dirty="0"/>
+            </a:p>
+          </p:txBody>
+        </p:sp>
+        <p:sp>
+          <p:nvSpPr>
+            <p:cNvPr id="22" name="TextBox 21"/>
+            <p:cNvSpPr txBox="1"/>
+            <p:nvPr/>
+          </p:nvSpPr>
+          <p:spPr>
+            <a:xfrm>
+              <a:off x="826768" y="4516935"/>
+              <a:ext cx="4115380" cy="390556"/>
+            </a:xfrm>
+            <a:prstGeom prst="rect">
+              <a:avLst/>
+            </a:prstGeom>
+            <a:noFill/>
+          </p:spPr>
+          <p:txBody>
+            <a:bodyPr wrap="square" rtlCol="0">
+              <a:spAutoFit/>
+            </a:bodyPr>
+            <a:lstStyle/>
+            <a:p>
+              <a:r>
+                <a:rPr lang="en-US" dirty="0" smtClean="0"/>
+                <a:t>Snijders &amp; Bosker (2011)</a:t>
+              </a:r>
+              <a:endParaRPr lang="en-US" dirty="0"/>
+            </a:p>
+          </p:txBody>
+        </p:sp>
         <p:cxnSp>
           <p:nvCxnSpPr>
-            <p:cNvPr id="27" name="Straight Connector 26"/>
+            <p:cNvPr id="23" name="Straight Arrow Connector 22"/>
+            <p:cNvCxnSpPr/>
+            <p:nvPr/>
+          </p:nvCxnSpPr>
+          <p:spPr>
+            <a:xfrm flipV="1">
+              <a:off x="773758" y="3947873"/>
+              <a:ext cx="0" cy="537160"/>
+            </a:xfrm>
+            <a:prstGeom prst="straightConnector1">
+              <a:avLst/>
+            </a:prstGeom>
+            <a:ln>
+              <a:tailEnd type="triangle"/>
+            </a:ln>
+          </p:spPr>
+          <p:style>
+            <a:lnRef idx="1">
+              <a:schemeClr val="dk1"/>
+            </a:lnRef>
+            <a:fillRef idx="0">
+              <a:schemeClr val="dk1"/>
+            </a:fillRef>
+            <a:effectRef idx="0">
+              <a:schemeClr val="dk1"/>
+            </a:effectRef>
+            <a:fontRef idx="minor">
+              <a:schemeClr val="tx1"/>
+            </a:fontRef>
+          </p:style>
+        </p:cxnSp>
+        <p:cxnSp>
+          <p:nvCxnSpPr>
+            <p:cNvPr id="24" name="Straight Arrow Connector 23"/>
             <p:cNvCxnSpPr/>
             <p:nvPr/>
           </p:nvCxnSpPr>
           <p:spPr>
             <a:xfrm>
-              <a:off x="6934200" y="3913775"/>
-              <a:ext cx="381000" cy="0"/>
+              <a:off x="773758" y="4590020"/>
+              <a:ext cx="0" cy="461487"/>
             </a:xfrm>
-            <a:prstGeom prst="line">
+            <a:prstGeom prst="straightConnector1">
               <a:avLst/>
             </a:prstGeom>
             <a:ln>
-              <a:noFill/>
+              <a:tailEnd type="triangle"/>
             </a:ln>
           </p:spPr>
           <p:style>
             <a:lnRef idx="1">
-              <a:schemeClr val="accent1"/>
+              <a:schemeClr val="dk1"/>
             </a:lnRef>
             <a:fillRef idx="0">
-              <a:schemeClr val="accent1"/>
+              <a:schemeClr val="dk1"/>
             </a:fillRef>
             <a:effectRef idx="0">
-              <a:schemeClr val="accent1"/>
+              <a:schemeClr val="dk1"/>
             </a:effectRef>
             <a:fontRef idx="minor">
               <a:schemeClr val="tx1"/>
@@ -4107,6 +3999,67 @@
           </p:style>
         </p:cxnSp>
       </p:grpSp>
+      <p:graphicFrame>
+        <p:nvGraphicFramePr>
+          <p:cNvPr id="26" name="Object 25"/>
+          <p:cNvGraphicFramePr>
+            <a:graphicFrameLocks noChangeAspect="1"/>
+          </p:cNvGraphicFramePr>
+          <p:nvPr>
+            <p:extLst>
+              <p:ext uri="{D42A27DB-BD31-4B8C-83A1-F6EECF244321}">
+                <p14:modId xmlns:p14="http://schemas.microsoft.com/office/powerpoint/2010/main" val="1081650062"/>
+              </p:ext>
+            </p:extLst>
+          </p:nvPr>
+        </p:nvGraphicFramePr>
+        <p:xfrm>
+          <a:off x="4392079" y="3503231"/>
+          <a:ext cx="3287083" cy="1224599"/>
+        </p:xfrm>
+        <a:graphic>
+          <a:graphicData uri="http://schemas.openxmlformats.org/presentationml/2006/ole">
+            <mc:AlternateContent xmlns:mc="http://schemas.openxmlformats.org/markup-compatibility/2006">
+              <mc:Choice xmlns:v="urn:schemas-microsoft-com:vml" Requires="v">
+                <p:oleObj spid="_x0000_s1118" name="Equation" r:id="rId25" imgW="2908080" imgH="1041120" progId="Equation.DSMT4">
+                  <p:embed/>
+                </p:oleObj>
+              </mc:Choice>
+              <mc:Fallback>
+                <p:oleObj name="Equation" r:id="rId25" imgW="2908080" imgH="1041120" progId="Equation.DSMT4">
+                  <p:embed/>
+                  <p:pic>
+                    <p:nvPicPr>
+                      <p:cNvPr id="0" name=""/>
+                      <p:cNvPicPr>
+                        <a:picLocks noChangeAspect="1" noChangeArrowheads="1"/>
+                      </p:cNvPicPr>
+                      <p:nvPr/>
+                    </p:nvPicPr>
+                    <p:blipFill>
+                      <a:blip r:embed="rId26"/>
+                      <a:srcRect/>
+                      <a:stretch>
+                        <a:fillRect/>
+                      </a:stretch>
+                    </p:blipFill>
+                    <p:spPr bwMode="auto">
+                      <a:xfrm>
+                        <a:off x="4392079" y="3503231"/>
+                        <a:ext cx="3287083" cy="1224599"/>
+                      </a:xfrm>
+                      <a:prstGeom prst="rect">
+                        <a:avLst/>
+                      </a:prstGeom>
+                      <a:noFill/>
+                    </p:spPr>
+                  </p:pic>
+                </p:oleObj>
+              </mc:Fallback>
+            </mc:AlternateContent>
+          </a:graphicData>
+        </a:graphic>
+      </p:graphicFrame>
       <p:pic>
         <p:nvPicPr>
           <p:cNvPr id="28" name="Picture 27"/>
@@ -4140,20 +4093,20 @@
           <p:nvPr>
             <p:extLst>
               <p:ext uri="{D42A27DB-BD31-4B8C-83A1-F6EECF244321}">
-                <p14:modId xmlns:p14="http://schemas.microsoft.com/office/powerpoint/2010/main" val="3042487550"/>
+                <p14:modId xmlns:p14="http://schemas.microsoft.com/office/powerpoint/2010/main" val="1567798078"/>
               </p:ext>
             </p:extLst>
           </p:nvPr>
         </p:nvGraphicFramePr>
         <p:xfrm>
-          <a:off x="4572000" y="5165725"/>
-          <a:ext cx="1360488" cy="388938"/>
+          <a:off x="5615167" y="4867702"/>
+          <a:ext cx="1329304" cy="380023"/>
         </p:xfrm>
         <a:graphic>
           <a:graphicData uri="http://schemas.openxmlformats.org/presentationml/2006/ole">
             <mc:AlternateContent xmlns:mc="http://schemas.openxmlformats.org/markup-compatibility/2006">
               <mc:Choice xmlns:v="urn:schemas-microsoft-com:vml" Requires="v">
-                <p:oleObj spid="_x0000_s1089" name="Equation" r:id="rId28" imgW="1206360" imgH="355320" progId="Equation.DSMT4">
+                <p:oleObj spid="_x0000_s1119" name="Equation" r:id="rId28" imgW="1206360" imgH="355320" progId="Equation.DSMT4">
                   <p:embed/>
                 </p:oleObj>
               </mc:Choice>
@@ -4183,8 +4136,8 @@
                     </p:blipFill>
                     <p:spPr bwMode="auto">
                       <a:xfrm>
-                        <a:off x="4572000" y="5165725"/>
-                        <a:ext cx="1360488" cy="388938"/>
+                        <a:off x="5615167" y="4867702"/>
+                        <a:ext cx="1329304" cy="380023"/>
                       </a:xfrm>
                       <a:prstGeom prst="rect">
                         <a:avLst/>
@@ -4193,25 +4146,7 @@
                       <a:ln>
                         <a:noFill/>
                       </a:ln>
-                      <a:extLst>
-                        <a:ext uri="{909E8E84-426E-40DD-AFC4-6F175D3DCCD1}">
-                          <a14:hiddenFill xmlns:a14="http://schemas.microsoft.com/office/drawing/2010/main">
-                            <a:solidFill>
-                              <a:srgbClr val="FFFFFF"/>
-                            </a:solidFill>
-                          </a14:hiddenFill>
-                        </a:ext>
-                        <a:ext uri="{91240B29-F687-4F45-9708-019B960494DF}">
-                          <a14:hiddenLine xmlns:a14="http://schemas.microsoft.com/office/drawing/2010/main" w="9525">
-                            <a:solidFill>
-                              <a:srgbClr val="000000"/>
-                            </a:solidFill>
-                            <a:miter lim="800000"/>
-                            <a:headEnd/>
-                            <a:tailEnd/>
-                          </a14:hiddenLine>
-                        </a:ext>
-                      </a:extLst>
+                      <a:extLst/>
                     </p:spPr>
                   </p:pic>
                 </p:oleObj>
@@ -4229,25 +4164,25 @@
           <p:nvPr>
             <p:extLst>
               <p:ext uri="{D42A27DB-BD31-4B8C-83A1-F6EECF244321}">
-                <p14:modId xmlns:p14="http://schemas.microsoft.com/office/powerpoint/2010/main" val="946601488"/>
+                <p14:modId xmlns:p14="http://schemas.microsoft.com/office/powerpoint/2010/main" val="1232975943"/>
               </p:ext>
             </p:extLst>
           </p:nvPr>
         </p:nvGraphicFramePr>
         <p:xfrm>
-          <a:off x="-34925" y="5243513"/>
-          <a:ext cx="4435475" cy="1555750"/>
+          <a:off x="309445" y="4941491"/>
+          <a:ext cx="4435475" cy="1693863"/>
         </p:xfrm>
         <a:graphic>
           <a:graphicData uri="http://schemas.openxmlformats.org/presentationml/2006/ole">
             <mc:AlternateContent xmlns:mc="http://schemas.openxmlformats.org/markup-compatibility/2006">
               <mc:Choice xmlns:v="urn:schemas-microsoft-com:vml" Requires="v">
-                <p:oleObj spid="_x0000_s1090" name="Equation" r:id="rId30" imgW="3111480" imgH="1143000" progId="Equation.DSMT4">
+                <p:oleObj spid="_x0000_s1120" name="Equation" r:id="rId30" imgW="3111480" imgH="1244520" progId="Equation.DSMT4">
                   <p:embed/>
                 </p:oleObj>
               </mc:Choice>
               <mc:Fallback>
-                <p:oleObj name="Equation" r:id="rId30" imgW="3111480" imgH="1143000" progId="Equation.DSMT4">
+                <p:oleObj name="Equation" r:id="rId30" imgW="3111480" imgH="1244520" progId="Equation.DSMT4">
                   <p:embed/>
                   <p:pic>
                     <p:nvPicPr>
@@ -4258,13 +4193,7 @@
                       <p:nvPr/>
                     </p:nvPicPr>
                     <p:blipFill>
-                      <a:blip r:embed="rId31">
-                        <a:extLst>
-                          <a:ext uri="{28A0092B-C50C-407E-A947-70E740481C1C}">
-                            <a14:useLocalDpi xmlns:a14="http://schemas.microsoft.com/office/drawing/2010/main" val="0"/>
-                          </a:ext>
-                        </a:extLst>
-                      </a:blip>
+                      <a:blip r:embed="rId31"/>
                       <a:srcRect/>
                       <a:stretch>
                         <a:fillRect/>
@@ -4272,8 +4201,8 @@
                     </p:blipFill>
                     <p:spPr bwMode="auto">
                       <a:xfrm>
-                        <a:off x="-34925" y="5243513"/>
-                        <a:ext cx="4435475" cy="1555750"/>
+                        <a:off x="309445" y="4941491"/>
+                        <a:ext cx="4435475" cy="1693863"/>
                       </a:xfrm>
                       <a:prstGeom prst="rect">
                         <a:avLst/>
@@ -4318,20 +4247,20 @@
           <p:nvPr>
             <p:extLst>
               <p:ext uri="{D42A27DB-BD31-4B8C-83A1-F6EECF244321}">
-                <p14:modId xmlns:p14="http://schemas.microsoft.com/office/powerpoint/2010/main" val="3753719193"/>
+                <p14:modId xmlns:p14="http://schemas.microsoft.com/office/powerpoint/2010/main" val="2462401265"/>
               </p:ext>
             </p:extLst>
           </p:nvPr>
         </p:nvGraphicFramePr>
         <p:xfrm>
-          <a:off x="4340225" y="5554663"/>
-          <a:ext cx="3287713" cy="1339850"/>
+          <a:off x="5186695" y="5295503"/>
+          <a:ext cx="3571222" cy="1455389"/>
         </p:xfrm>
         <a:graphic>
           <a:graphicData uri="http://schemas.openxmlformats.org/presentationml/2006/ole">
             <mc:AlternateContent xmlns:mc="http://schemas.openxmlformats.org/markup-compatibility/2006">
               <mc:Choice xmlns:v="urn:schemas-microsoft-com:vml" Requires="v">
-                <p:oleObj spid="_x0000_s1091" name="Equation" r:id="rId32" imgW="2400120" imgH="1015920" progId="Equation.DSMT4">
+                <p:oleObj spid="_x0000_s1121" name="Equation" r:id="rId32" imgW="2400120" imgH="1015920" progId="Equation.DSMT4">
                   <p:embed/>
                 </p:oleObj>
               </mc:Choice>
@@ -4361,8 +4290,8 @@
                     </p:blipFill>
                     <p:spPr bwMode="auto">
                       <a:xfrm>
-                        <a:off x="4340225" y="5554663"/>
-                        <a:ext cx="3287713" cy="1339850"/>
+                        <a:off x="5186695" y="5295503"/>
+                        <a:ext cx="3571222" cy="1455389"/>
                       </a:xfrm>
                       <a:prstGeom prst="rect">
                         <a:avLst/>
@@ -4371,25 +4300,7 @@
                       <a:ln>
                         <a:noFill/>
                       </a:ln>
-                      <a:extLst>
-                        <a:ext uri="{909E8E84-426E-40DD-AFC4-6F175D3DCCD1}">
-                          <a14:hiddenFill xmlns:a14="http://schemas.microsoft.com/office/drawing/2010/main">
-                            <a:solidFill>
-                              <a:srgbClr val="FFFFFF"/>
-                            </a:solidFill>
-                          </a14:hiddenFill>
-                        </a:ext>
-                        <a:ext uri="{91240B29-F687-4F45-9708-019B960494DF}">
-                          <a14:hiddenLine xmlns:a14="http://schemas.microsoft.com/office/drawing/2010/main" w="9525">
-                            <a:solidFill>
-                              <a:srgbClr val="000000"/>
-                            </a:solidFill>
-                            <a:miter lim="800000"/>
-                            <a:headEnd/>
-                            <a:tailEnd/>
-                          </a14:hiddenLine>
-                        </a:ext>
-                      </a:extLst>
+                      <a:extLst/>
                     </p:spPr>
                   </p:pic>
                 </p:oleObj>
@@ -4398,6 +4309,30 @@
           </a:graphicData>
         </a:graphic>
       </p:graphicFrame>
+      <p:pic>
+        <p:nvPicPr>
+          <p:cNvPr id="29" name="Picture 28"/>
+          <p:cNvPicPr>
+            <a:picLocks noChangeAspect="1"/>
+          </p:cNvPicPr>
+          <p:nvPr/>
+        </p:nvPicPr>
+        <p:blipFill>
+          <a:blip r:embed="rId27"/>
+          <a:stretch>
+            <a:fillRect/>
+          </a:stretch>
+        </p:blipFill>
+        <p:spPr>
+          <a:xfrm>
+            <a:off x="7914161" y="357161"/>
+            <a:ext cx="6877050" cy="3667125"/>
+          </a:xfrm>
+          <a:prstGeom prst="rect">
+            <a:avLst/>
+          </a:prstGeom>
+        </p:spPr>
+      </p:pic>
     </p:spTree>
     <p:extLst>
       <p:ext uri="{BB962C8B-B14F-4D97-AF65-F5344CB8AC3E}">
@@ -4471,7 +4406,7 @@
             <a:graphicData uri="http://schemas.openxmlformats.org/presentationml/2006/ole">
               <mc:AlternateContent xmlns:mc="http://schemas.openxmlformats.org/markup-compatibility/2006">
                 <mc:Choice xmlns:v="urn:schemas-microsoft-com:vml" Requires="v">
-                  <p:oleObj spid="_x0000_s2081" name="Equation" r:id="rId3" imgW="1206360" imgH="355320" progId="Equation.DSMT4">
+                  <p:oleObj spid="_x0000_s2091" name="Equation" r:id="rId3" imgW="1206360" imgH="355320" progId="Equation.DSMT4">
                     <p:embed/>
                   </p:oleObj>
                 </mc:Choice>
@@ -4532,7 +4467,7 @@
             <a:graphicData uri="http://schemas.openxmlformats.org/presentationml/2006/ole">
               <mc:AlternateContent xmlns:mc="http://schemas.openxmlformats.org/markup-compatibility/2006">
                 <mc:Choice xmlns:v="urn:schemas-microsoft-com:vml" Requires="v">
-                  <p:oleObj spid="_x0000_s2082" name="Equation" r:id="rId5" imgW="3111480" imgH="1143000" progId="Equation.DSMT4">
+                  <p:oleObj spid="_x0000_s2092" name="Equation" r:id="rId5" imgW="3111480" imgH="1143000" progId="Equation.DSMT4">
                     <p:embed/>
                   </p:oleObj>
                 </mc:Choice>
@@ -4593,7 +4528,7 @@
             <a:graphicData uri="http://schemas.openxmlformats.org/presentationml/2006/ole">
               <mc:AlternateContent xmlns:mc="http://schemas.openxmlformats.org/markup-compatibility/2006">
                 <mc:Choice xmlns:v="urn:schemas-microsoft-com:vml" Requires="v">
-                  <p:oleObj spid="_x0000_s2083" name="Equation" r:id="rId7" imgW="2400120" imgH="1015920" progId="Equation.DSMT4">
+                  <p:oleObj spid="_x0000_s2093" name="Equation" r:id="rId7" imgW="2400120" imgH="1015920" progId="Equation.DSMT4">
                     <p:embed/>
                   </p:oleObj>
                 </mc:Choice>
@@ -4655,7 +4590,7 @@
           <a:graphicData uri="http://schemas.openxmlformats.org/presentationml/2006/ole">
             <mc:AlternateContent xmlns:mc="http://schemas.openxmlformats.org/markup-compatibility/2006">
               <mc:Choice xmlns:v="urn:schemas-microsoft-com:vml" Requires="v">
-                <p:oleObj spid="_x0000_s2084" name="Equation" r:id="rId9" imgW="1244520" imgH="482400" progId="Equation.DSMT4">
+                <p:oleObj spid="_x0000_s2094" name="Equation" r:id="rId9" imgW="1244520" imgH="482400" progId="Equation.DSMT4">
                   <p:embed/>
                 </p:oleObj>
               </mc:Choice>
@@ -4716,7 +4651,7 @@
           <a:graphicData uri="http://schemas.openxmlformats.org/presentationml/2006/ole">
             <mc:AlternateContent xmlns:mc="http://schemas.openxmlformats.org/markup-compatibility/2006">
               <mc:Choice xmlns:v="urn:schemas-microsoft-com:vml" Requires="v">
-                <p:oleObj spid="_x0000_s2085" name="Equation" r:id="rId11" imgW="1701720" imgH="241200" progId="Equation.DSMT4">
+                <p:oleObj spid="_x0000_s2095" name="Equation" r:id="rId11" imgW="1701720" imgH="241200" progId="Equation.DSMT4">
                   <p:embed/>
                 </p:oleObj>
               </mc:Choice>
